--- a/Make Your Own Personal Website.pptx
+++ b/Make Your Own Personal Website.pptx
@@ -10,10 +10,10 @@
   <p:sldIdLst>
     <p:sldId id="256" r:id="rId2"/>
     <p:sldId id="266" r:id="rId3"/>
-    <p:sldId id="262" r:id="rId4"/>
-    <p:sldId id="261" r:id="rId5"/>
-    <p:sldId id="284" r:id="rId6"/>
-    <p:sldId id="285" r:id="rId7"/>
+    <p:sldId id="284" r:id="rId4"/>
+    <p:sldId id="285" r:id="rId5"/>
+    <p:sldId id="262" r:id="rId6"/>
+    <p:sldId id="261" r:id="rId7"/>
     <p:sldId id="286" r:id="rId8"/>
     <p:sldId id="287" r:id="rId9"/>
     <p:sldId id="288" r:id="rId10"/>
@@ -22,16 +22,16 @@
   <p:notesSz cx="6858000" cy="9144000"/>
   <p:embeddedFontLst>
     <p:embeddedFont>
-      <p:font typeface="Hind" panose="020B0604020202020204" charset="0"/>
+      <p:font typeface="Calibri" panose="020F0502020204030204" pitchFamily="34" charset="0"/>
       <p:regular r:id="rId12"/>
       <p:bold r:id="rId13"/>
+      <p:italic r:id="rId14"/>
+      <p:boldItalic r:id="rId15"/>
     </p:embeddedFont>
     <p:embeddedFont>
-      <p:font typeface="Calibri" panose="020F0502020204030204" pitchFamily="34" charset="0"/>
-      <p:regular r:id="rId14"/>
-      <p:bold r:id="rId15"/>
-      <p:italic r:id="rId16"/>
-      <p:boldItalic r:id="rId17"/>
+      <p:font typeface="Hind" panose="020B0604020202020204" charset="0"/>
+      <p:regular r:id="rId16"/>
+      <p:bold r:id="rId17"/>
     </p:embeddedFont>
   </p:embeddedFontLst>
   <p:defaultTextStyle>
@@ -263,6 +263,11 @@
       </a:defRPr>
     </a:lvl9pPr>
   </p:defaultTextStyle>
+  <p:extLst>
+    <p:ext uri="{EFAFB233-063F-42B5-8137-9DF3F51BA10A}">
+      <p15:sldGuideLst xmlns:p15="http://schemas.microsoft.com/office/powerpoint/2012/main"/>
+    </p:ext>
+  </p:extLst>
 </p:presentation>
 </file>
 
@@ -933,6 +938,224 @@
   <p:cSld>
     <p:spTree>
       <p:nvGrpSpPr>
+        <p:cNvPr id="1" name="Shape 227"/>
+        <p:cNvGrpSpPr/>
+        <p:nvPr/>
+      </p:nvGrpSpPr>
+      <p:grpSpPr>
+        <a:xfrm>
+          <a:off x="0" y="0"/>
+          <a:ext cx="0" cy="0"/>
+          <a:chOff x="0" y="0"/>
+          <a:chExt cx="0" cy="0"/>
+        </a:xfrm>
+      </p:grpSpPr>
+      <p:sp>
+        <p:nvSpPr>
+          <p:cNvPr id="228" name="Google Shape;228;p:notes"/>
+          <p:cNvSpPr>
+            <a:spLocks noGrp="1" noRot="1" noChangeAspect="1"/>
+          </p:cNvSpPr>
+          <p:nvPr>
+            <p:ph type="sldImg" idx="2"/>
+          </p:nvPr>
+        </p:nvSpPr>
+        <p:spPr>
+          <a:xfrm>
+            <a:off x="381000" y="685800"/>
+            <a:ext cx="6096000" cy="3429000"/>
+          </a:xfrm>
+          <a:custGeom>
+            <a:avLst/>
+            <a:gdLst/>
+            <a:ahLst/>
+            <a:cxnLst/>
+            <a:rect l="l" t="t" r="r" b="b"/>
+            <a:pathLst>
+              <a:path w="120000" h="120000" extrusionOk="0">
+                <a:moveTo>
+                  <a:pt x="0" y="0"/>
+                </a:moveTo>
+                <a:lnTo>
+                  <a:pt x="120000" y="0"/>
+                </a:lnTo>
+                <a:lnTo>
+                  <a:pt x="120000" y="120000"/>
+                </a:lnTo>
+                <a:lnTo>
+                  <a:pt x="0" y="120000"/>
+                </a:lnTo>
+                <a:close/>
+              </a:path>
+            </a:pathLst>
+          </a:custGeom>
+        </p:spPr>
+      </p:sp>
+      <p:sp>
+        <p:nvSpPr>
+          <p:cNvPr id="229" name="Google Shape;229;p:notes"/>
+          <p:cNvSpPr txBox="1">
+            <a:spLocks noGrp="1"/>
+          </p:cNvSpPr>
+          <p:nvPr>
+            <p:ph type="body" idx="1"/>
+          </p:nvPr>
+        </p:nvSpPr>
+        <p:spPr>
+          <a:xfrm>
+            <a:off x="685800" y="4343400"/>
+            <a:ext cx="5486400" cy="4114800"/>
+          </a:xfrm>
+          <a:prstGeom prst="rect">
+            <a:avLst/>
+          </a:prstGeom>
+        </p:spPr>
+        <p:txBody>
+          <a:bodyPr spcFirstLastPara="1" wrap="square" lIns="91425" tIns="91425" rIns="91425" bIns="91425" anchor="t" anchorCtr="0">
+            <a:noAutofit/>
+          </a:bodyPr>
+          <a:lstStyle/>
+          <a:p>
+            <a:pPr marL="0" lvl="0" indent="0" algn="l" rtl="0">
+              <a:spcBef>
+                <a:spcPts val="0"/>
+              </a:spcBef>
+              <a:spcAft>
+                <a:spcPts val="0"/>
+              </a:spcAft>
+              <a:buNone/>
+            </a:pPr>
+            <a:endParaRPr/>
+          </a:p>
+        </p:txBody>
+      </p:sp>
+    </p:spTree>
+    <p:extLst>
+      <p:ext uri="{BB962C8B-B14F-4D97-AF65-F5344CB8AC3E}">
+        <p14:creationId xmlns:p14="http://schemas.microsoft.com/office/powerpoint/2010/main" val="1289336861"/>
+      </p:ext>
+    </p:extLst>
+  </p:cSld>
+  <p:clrMapOvr>
+    <a:masterClrMapping/>
+  </p:clrMapOvr>
+</p:notes>
+</file>
+
+<file path=ppt/notesSlides/notesSlide4.xml><?xml version="1.0" encoding="utf-8"?>
+<p:notes xmlns:a="http://schemas.openxmlformats.org/drawingml/2006/main" xmlns:r="http://schemas.openxmlformats.org/officeDocument/2006/relationships" xmlns:p="http://schemas.openxmlformats.org/presentationml/2006/main" showMasterSp="0" showMasterPhAnim="0">
+  <p:cSld>
+    <p:spTree>
+      <p:nvGrpSpPr>
+        <p:cNvPr id="1" name="Shape 391"/>
+        <p:cNvGrpSpPr/>
+        <p:nvPr/>
+      </p:nvGrpSpPr>
+      <p:grpSpPr>
+        <a:xfrm>
+          <a:off x="0" y="0"/>
+          <a:ext cx="0" cy="0"/>
+          <a:chOff x="0" y="0"/>
+          <a:chExt cx="0" cy="0"/>
+        </a:xfrm>
+      </p:grpSpPr>
+      <p:sp>
+        <p:nvSpPr>
+          <p:cNvPr id="392" name="Google Shape;392;g35ed75ccf_0113:notes"/>
+          <p:cNvSpPr>
+            <a:spLocks noGrp="1" noRot="1" noChangeAspect="1"/>
+          </p:cNvSpPr>
+          <p:nvPr>
+            <p:ph type="sldImg" idx="2"/>
+          </p:nvPr>
+        </p:nvSpPr>
+        <p:spPr>
+          <a:xfrm>
+            <a:off x="381000" y="685800"/>
+            <a:ext cx="6096000" cy="3429000"/>
+          </a:xfrm>
+          <a:custGeom>
+            <a:avLst/>
+            <a:gdLst/>
+            <a:ahLst/>
+            <a:cxnLst/>
+            <a:rect l="l" t="t" r="r" b="b"/>
+            <a:pathLst>
+              <a:path w="120000" h="120000" extrusionOk="0">
+                <a:moveTo>
+                  <a:pt x="0" y="0"/>
+                </a:moveTo>
+                <a:lnTo>
+                  <a:pt x="120000" y="0"/>
+                </a:lnTo>
+                <a:lnTo>
+                  <a:pt x="120000" y="120000"/>
+                </a:lnTo>
+                <a:lnTo>
+                  <a:pt x="0" y="120000"/>
+                </a:lnTo>
+                <a:close/>
+              </a:path>
+            </a:pathLst>
+          </a:custGeom>
+        </p:spPr>
+      </p:sp>
+      <p:sp>
+        <p:nvSpPr>
+          <p:cNvPr id="393" name="Google Shape;393;g35ed75ccf_0113:notes"/>
+          <p:cNvSpPr txBox="1">
+            <a:spLocks noGrp="1"/>
+          </p:cNvSpPr>
+          <p:nvPr>
+            <p:ph type="body" idx="1"/>
+          </p:nvPr>
+        </p:nvSpPr>
+        <p:spPr>
+          <a:xfrm>
+            <a:off x="685800" y="4343400"/>
+            <a:ext cx="5486400" cy="4114800"/>
+          </a:xfrm>
+          <a:prstGeom prst="rect">
+            <a:avLst/>
+          </a:prstGeom>
+        </p:spPr>
+        <p:txBody>
+          <a:bodyPr spcFirstLastPara="1" wrap="square" lIns="91425" tIns="91425" rIns="91425" bIns="91425" anchor="t" anchorCtr="0">
+            <a:noAutofit/>
+          </a:bodyPr>
+          <a:lstStyle/>
+          <a:p>
+            <a:pPr marL="0" lvl="0" indent="0" algn="l" rtl="0">
+              <a:spcBef>
+                <a:spcPts val="0"/>
+              </a:spcBef>
+              <a:spcAft>
+                <a:spcPts val="0"/>
+              </a:spcAft>
+              <a:buNone/>
+            </a:pPr>
+            <a:endParaRPr/>
+          </a:p>
+        </p:txBody>
+      </p:sp>
+    </p:spTree>
+    <p:extLst>
+      <p:ext uri="{BB962C8B-B14F-4D97-AF65-F5344CB8AC3E}">
+        <p14:creationId xmlns:p14="http://schemas.microsoft.com/office/powerpoint/2010/main" val="3568599404"/>
+      </p:ext>
+    </p:extLst>
+  </p:cSld>
+  <p:clrMapOvr>
+    <a:masterClrMapping/>
+  </p:clrMapOvr>
+</p:notes>
+</file>
+
+<file path=ppt/notesSlides/notesSlide5.xml><?xml version="1.0" encoding="utf-8"?>
+<p:notes xmlns:a="http://schemas.openxmlformats.org/drawingml/2006/main" xmlns:r="http://schemas.openxmlformats.org/officeDocument/2006/relationships" xmlns:p="http://schemas.openxmlformats.org/presentationml/2006/main" showMasterSp="0" showMasterPhAnim="0">
+  <p:cSld>
+    <p:spTree>
+      <p:nvGrpSpPr>
         <p:cNvPr id="1" name="Shape 234"/>
         <p:cNvGrpSpPr/>
         <p:nvPr/>
@@ -1020,7 +1243,7 @@
               </a:spcAft>
               <a:buNone/>
             </a:pPr>
-            <a:endParaRPr/>
+            <a:endParaRPr dirty="0"/>
           </a:p>
         </p:txBody>
       </p:sp>
@@ -1037,7 +1260,7 @@
 </p:notes>
 </file>
 
-<file path=ppt/notesSlides/notesSlide4.xml><?xml version="1.0" encoding="utf-8"?>
+<file path=ppt/notesSlides/notesSlide6.xml><?xml version="1.0" encoding="utf-8"?>
 <p:notes xmlns:a="http://schemas.openxmlformats.org/drawingml/2006/main" xmlns:r="http://schemas.openxmlformats.org/officeDocument/2006/relationships" xmlns:p="http://schemas.openxmlformats.org/presentationml/2006/main" showMasterSp="0" showMasterPhAnim="0">
   <p:cSld>
     <p:spTree>
@@ -1137,224 +1360,6 @@
     <p:extLst>
       <p:ext uri="{BB962C8B-B14F-4D97-AF65-F5344CB8AC3E}">
         <p14:creationId xmlns:p14="http://schemas.microsoft.com/office/powerpoint/2010/main" val="157466940"/>
-      </p:ext>
-    </p:extLst>
-  </p:cSld>
-  <p:clrMapOvr>
-    <a:masterClrMapping/>
-  </p:clrMapOvr>
-</p:notes>
-</file>
-
-<file path=ppt/notesSlides/notesSlide5.xml><?xml version="1.0" encoding="utf-8"?>
-<p:notes xmlns:a="http://schemas.openxmlformats.org/drawingml/2006/main" xmlns:r="http://schemas.openxmlformats.org/officeDocument/2006/relationships" xmlns:p="http://schemas.openxmlformats.org/presentationml/2006/main" showMasterSp="0" showMasterPhAnim="0">
-  <p:cSld>
-    <p:spTree>
-      <p:nvGrpSpPr>
-        <p:cNvPr id="1" name="Shape 227"/>
-        <p:cNvGrpSpPr/>
-        <p:nvPr/>
-      </p:nvGrpSpPr>
-      <p:grpSpPr>
-        <a:xfrm>
-          <a:off x="0" y="0"/>
-          <a:ext cx="0" cy="0"/>
-          <a:chOff x="0" y="0"/>
-          <a:chExt cx="0" cy="0"/>
-        </a:xfrm>
-      </p:grpSpPr>
-      <p:sp>
-        <p:nvSpPr>
-          <p:cNvPr id="228" name="Google Shape;228;p:notes"/>
-          <p:cNvSpPr>
-            <a:spLocks noGrp="1" noRot="1" noChangeAspect="1"/>
-          </p:cNvSpPr>
-          <p:nvPr>
-            <p:ph type="sldImg" idx="2"/>
-          </p:nvPr>
-        </p:nvSpPr>
-        <p:spPr>
-          <a:xfrm>
-            <a:off x="381000" y="685800"/>
-            <a:ext cx="6096000" cy="3429000"/>
-          </a:xfrm>
-          <a:custGeom>
-            <a:avLst/>
-            <a:gdLst/>
-            <a:ahLst/>
-            <a:cxnLst/>
-            <a:rect l="l" t="t" r="r" b="b"/>
-            <a:pathLst>
-              <a:path w="120000" h="120000" extrusionOk="0">
-                <a:moveTo>
-                  <a:pt x="0" y="0"/>
-                </a:moveTo>
-                <a:lnTo>
-                  <a:pt x="120000" y="0"/>
-                </a:lnTo>
-                <a:lnTo>
-                  <a:pt x="120000" y="120000"/>
-                </a:lnTo>
-                <a:lnTo>
-                  <a:pt x="0" y="120000"/>
-                </a:lnTo>
-                <a:close/>
-              </a:path>
-            </a:pathLst>
-          </a:custGeom>
-        </p:spPr>
-      </p:sp>
-      <p:sp>
-        <p:nvSpPr>
-          <p:cNvPr id="229" name="Google Shape;229;p:notes"/>
-          <p:cNvSpPr txBox="1">
-            <a:spLocks noGrp="1"/>
-          </p:cNvSpPr>
-          <p:nvPr>
-            <p:ph type="body" idx="1"/>
-          </p:nvPr>
-        </p:nvSpPr>
-        <p:spPr>
-          <a:xfrm>
-            <a:off x="685800" y="4343400"/>
-            <a:ext cx="5486400" cy="4114800"/>
-          </a:xfrm>
-          <a:prstGeom prst="rect">
-            <a:avLst/>
-          </a:prstGeom>
-        </p:spPr>
-        <p:txBody>
-          <a:bodyPr spcFirstLastPara="1" wrap="square" lIns="91425" tIns="91425" rIns="91425" bIns="91425" anchor="t" anchorCtr="0">
-            <a:noAutofit/>
-          </a:bodyPr>
-          <a:lstStyle/>
-          <a:p>
-            <a:pPr marL="0" lvl="0" indent="0" algn="l" rtl="0">
-              <a:spcBef>
-                <a:spcPts val="0"/>
-              </a:spcBef>
-              <a:spcAft>
-                <a:spcPts val="0"/>
-              </a:spcAft>
-              <a:buNone/>
-            </a:pPr>
-            <a:endParaRPr/>
-          </a:p>
-        </p:txBody>
-      </p:sp>
-    </p:spTree>
-    <p:extLst>
-      <p:ext uri="{BB962C8B-B14F-4D97-AF65-F5344CB8AC3E}">
-        <p14:creationId xmlns:p14="http://schemas.microsoft.com/office/powerpoint/2010/main" val="1289336861"/>
-      </p:ext>
-    </p:extLst>
-  </p:cSld>
-  <p:clrMapOvr>
-    <a:masterClrMapping/>
-  </p:clrMapOvr>
-</p:notes>
-</file>
-
-<file path=ppt/notesSlides/notesSlide6.xml><?xml version="1.0" encoding="utf-8"?>
-<p:notes xmlns:a="http://schemas.openxmlformats.org/drawingml/2006/main" xmlns:r="http://schemas.openxmlformats.org/officeDocument/2006/relationships" xmlns:p="http://schemas.openxmlformats.org/presentationml/2006/main" showMasterSp="0" showMasterPhAnim="0">
-  <p:cSld>
-    <p:spTree>
-      <p:nvGrpSpPr>
-        <p:cNvPr id="1" name="Shape 391"/>
-        <p:cNvGrpSpPr/>
-        <p:nvPr/>
-      </p:nvGrpSpPr>
-      <p:grpSpPr>
-        <a:xfrm>
-          <a:off x="0" y="0"/>
-          <a:ext cx="0" cy="0"/>
-          <a:chOff x="0" y="0"/>
-          <a:chExt cx="0" cy="0"/>
-        </a:xfrm>
-      </p:grpSpPr>
-      <p:sp>
-        <p:nvSpPr>
-          <p:cNvPr id="392" name="Google Shape;392;g35ed75ccf_0113:notes"/>
-          <p:cNvSpPr>
-            <a:spLocks noGrp="1" noRot="1" noChangeAspect="1"/>
-          </p:cNvSpPr>
-          <p:nvPr>
-            <p:ph type="sldImg" idx="2"/>
-          </p:nvPr>
-        </p:nvSpPr>
-        <p:spPr>
-          <a:xfrm>
-            <a:off x="381000" y="685800"/>
-            <a:ext cx="6096000" cy="3429000"/>
-          </a:xfrm>
-          <a:custGeom>
-            <a:avLst/>
-            <a:gdLst/>
-            <a:ahLst/>
-            <a:cxnLst/>
-            <a:rect l="l" t="t" r="r" b="b"/>
-            <a:pathLst>
-              <a:path w="120000" h="120000" extrusionOk="0">
-                <a:moveTo>
-                  <a:pt x="0" y="0"/>
-                </a:moveTo>
-                <a:lnTo>
-                  <a:pt x="120000" y="0"/>
-                </a:lnTo>
-                <a:lnTo>
-                  <a:pt x="120000" y="120000"/>
-                </a:lnTo>
-                <a:lnTo>
-                  <a:pt x="0" y="120000"/>
-                </a:lnTo>
-                <a:close/>
-              </a:path>
-            </a:pathLst>
-          </a:custGeom>
-        </p:spPr>
-      </p:sp>
-      <p:sp>
-        <p:nvSpPr>
-          <p:cNvPr id="393" name="Google Shape;393;g35ed75ccf_0113:notes"/>
-          <p:cNvSpPr txBox="1">
-            <a:spLocks noGrp="1"/>
-          </p:cNvSpPr>
-          <p:nvPr>
-            <p:ph type="body" idx="1"/>
-          </p:nvPr>
-        </p:nvSpPr>
-        <p:spPr>
-          <a:xfrm>
-            <a:off x="685800" y="4343400"/>
-            <a:ext cx="5486400" cy="4114800"/>
-          </a:xfrm>
-          <a:prstGeom prst="rect">
-            <a:avLst/>
-          </a:prstGeom>
-        </p:spPr>
-        <p:txBody>
-          <a:bodyPr spcFirstLastPara="1" wrap="square" lIns="91425" tIns="91425" rIns="91425" bIns="91425" anchor="t" anchorCtr="0">
-            <a:noAutofit/>
-          </a:bodyPr>
-          <a:lstStyle/>
-          <a:p>
-            <a:pPr marL="0" lvl="0" indent="0" algn="l" rtl="0">
-              <a:spcBef>
-                <a:spcPts val="0"/>
-              </a:spcBef>
-              <a:spcAft>
-                <a:spcPts val="0"/>
-              </a:spcAft>
-              <a:buNone/>
-            </a:pPr>
-            <a:endParaRPr/>
-          </a:p>
-        </p:txBody>
-      </p:sp>
-    </p:spTree>
-    <p:extLst>
-      <p:ext uri="{BB962C8B-B14F-4D97-AF65-F5344CB8AC3E}">
-        <p14:creationId xmlns:p14="http://schemas.microsoft.com/office/powerpoint/2010/main" val="3568599404"/>
       </p:ext>
     </p:extLst>
   </p:cSld>
@@ -7063,6 +7068,13 @@
   <p:clrMapOvr>
     <a:masterClrMapping/>
   </p:clrMapOvr>
+  <p:timing>
+    <p:tnLst>
+      <p:par>
+        <p:cTn id="1" dur="indefinite" restart="never" nodeType="tmRoot"/>
+      </p:par>
+    </p:tnLst>
+  </p:timing>
 </p:sld>
 </file>
 
@@ -7462,22 +7474,31 @@
           </a:lstStyle>
           <a:p>
             <a:r>
-              <a:rPr lang="en-US" sz="1400" b="0" dirty="0"/>
-              <a:t>Easier to show an employer</a:t>
-            </a:r>
-          </a:p>
-          <a:p>
-            <a:endParaRPr lang="en-US" sz="1400" b="0" dirty="0" smtClean="0"/>
-          </a:p>
-          <a:p>
-            <a:r>
               <a:rPr lang="en-US" sz="1400" b="0" dirty="0" smtClean="0"/>
               <a:t>More </a:t>
             </a:r>
             <a:r>
               <a:rPr lang="en-US" sz="1400" b="0" dirty="0"/>
-              <a:t>attractive than a resume</a:t>
+              <a:t>attractive than a </a:t>
             </a:r>
+            <a:r>
+              <a:rPr lang="en-US" sz="1400" b="0" dirty="0" smtClean="0"/>
+              <a:t>resume</a:t>
+            </a:r>
+          </a:p>
+          <a:p>
+            <a:endParaRPr lang="en-US" sz="1400" b="0" dirty="0"/>
+          </a:p>
+          <a:p>
+            <a:r>
+              <a:rPr lang="en-US" sz="1400" b="0" dirty="0"/>
+              <a:t>Easier to show an </a:t>
+            </a:r>
+            <a:r>
+              <a:rPr lang="en-US" sz="1400" b="0" dirty="0" smtClean="0"/>
+              <a:t>employer</a:t>
+            </a:r>
+            <a:endParaRPr lang="en-US" sz="1400" b="0" dirty="0"/>
           </a:p>
           <a:p>
             <a:endParaRPr lang="en-US" sz="1400" b="0" dirty="0" smtClean="0"/>
@@ -7499,10 +7520,1923 @@
   <p:clrMapOvr>
     <a:masterClrMapping/>
   </p:clrMapOvr>
+  <p:timing>
+    <p:tnLst>
+      <p:par>
+        <p:cTn id="1" dur="indefinite" restart="never" nodeType="tmRoot"/>
+      </p:par>
+    </p:tnLst>
+  </p:timing>
 </p:sld>
 </file>
 
 <file path=ppt/slides/slide3.xml><?xml version="1.0" encoding="utf-8"?>
+<p:sld xmlns:a="http://schemas.openxmlformats.org/drawingml/2006/main" xmlns:r="http://schemas.openxmlformats.org/officeDocument/2006/relationships" xmlns:p="http://schemas.openxmlformats.org/presentationml/2006/main">
+  <p:cSld>
+    <p:spTree>
+      <p:nvGrpSpPr>
+        <p:cNvPr id="1" name="Shape 230"/>
+        <p:cNvGrpSpPr/>
+        <p:nvPr/>
+      </p:nvGrpSpPr>
+      <p:grpSpPr>
+        <a:xfrm>
+          <a:off x="0" y="0"/>
+          <a:ext cx="0" cy="0"/>
+          <a:chOff x="0" y="0"/>
+          <a:chExt cx="0" cy="0"/>
+        </a:xfrm>
+      </p:grpSpPr>
+      <p:sp>
+        <p:nvSpPr>
+          <p:cNvPr id="231" name="Google Shape;231;p20"/>
+          <p:cNvSpPr txBox="1">
+            <a:spLocks noGrp="1"/>
+          </p:cNvSpPr>
+          <p:nvPr>
+            <p:ph type="title"/>
+          </p:nvPr>
+        </p:nvSpPr>
+        <p:spPr>
+          <a:xfrm>
+            <a:off x="1067088" y="900150"/>
+            <a:ext cx="5972100" cy="636000"/>
+          </a:xfrm>
+          <a:prstGeom prst="rect">
+            <a:avLst/>
+          </a:prstGeom>
+        </p:spPr>
+        <p:txBody>
+          <a:bodyPr spcFirstLastPara="1" wrap="square" lIns="91425" tIns="91425" rIns="91425" bIns="91425" anchor="b" anchorCtr="0">
+            <a:noAutofit/>
+          </a:bodyPr>
+          <a:lstStyle/>
+          <a:p>
+            <a:pPr lvl="0"/>
+            <a:r>
+              <a:rPr lang="en-US" dirty="0" smtClean="0"/>
+              <a:t>1) Template </a:t>
+            </a:r>
+            <a:r>
+              <a:rPr lang="en-US" dirty="0"/>
+              <a:t>Site</a:t>
+            </a:r>
+            <a:endParaRPr dirty="0"/>
+          </a:p>
+        </p:txBody>
+      </p:sp>
+      <p:sp>
+        <p:nvSpPr>
+          <p:cNvPr id="232" name="Google Shape;232;p20"/>
+          <p:cNvSpPr txBox="1">
+            <a:spLocks noGrp="1"/>
+          </p:cNvSpPr>
+          <p:nvPr>
+            <p:ph type="body" idx="1"/>
+          </p:nvPr>
+        </p:nvSpPr>
+        <p:spPr>
+          <a:xfrm>
+            <a:off x="1067088" y="1650548"/>
+            <a:ext cx="6375112" cy="2764500"/>
+          </a:xfrm>
+          <a:prstGeom prst="rect">
+            <a:avLst/>
+          </a:prstGeom>
+        </p:spPr>
+        <p:txBody>
+          <a:bodyPr spcFirstLastPara="1" wrap="square" lIns="91425" tIns="91425" rIns="91425" bIns="91425" anchor="t" anchorCtr="0">
+            <a:noAutofit/>
+          </a:bodyPr>
+          <a:lstStyle/>
+          <a:p>
+            <a:r>
+              <a:rPr lang="en-US" sz="2000" dirty="0"/>
+              <a:t>Start with a premade site: </a:t>
+            </a:r>
+            <a:r>
+              <a:rPr lang="en-US" sz="2000" dirty="0" smtClean="0">
+                <a:hlinkClick r:id="rId3"/>
+              </a:rPr>
+              <a:t>tiny.cc/pw-code</a:t>
+            </a:r>
+            <a:endParaRPr lang="en-US" sz="2000" dirty="0"/>
+          </a:p>
+          <a:p>
+            <a:pPr lvl="1"/>
+            <a:r>
+              <a:rPr lang="en-US" sz="2000" dirty="0" smtClean="0"/>
+              <a:t>Example</a:t>
+            </a:r>
+            <a:r>
+              <a:rPr lang="en-US" sz="2000" dirty="0"/>
+              <a:t>:  </a:t>
+            </a:r>
+            <a:r>
+              <a:rPr lang="en-US" sz="2000" dirty="0">
+                <a:hlinkClick r:id="rId4"/>
+              </a:rPr>
+              <a:t>tiny.cc/pw-example</a:t>
+            </a:r>
+            <a:endParaRPr lang="en-US" sz="2000" dirty="0"/>
+          </a:p>
+          <a:p>
+            <a:r>
+              <a:rPr lang="en-US" sz="2000" dirty="0"/>
+              <a:t>No programming experience required</a:t>
+            </a:r>
+          </a:p>
+          <a:p>
+            <a:r>
+              <a:rPr lang="en-US" sz="2000" dirty="0"/>
+              <a:t>Fill in your own </a:t>
+            </a:r>
+            <a:r>
+              <a:rPr lang="en-US" sz="2000" dirty="0" smtClean="0"/>
+              <a:t>information</a:t>
+            </a:r>
+            <a:endParaRPr lang="en-US" sz="2000" dirty="0"/>
+          </a:p>
+        </p:txBody>
+      </p:sp>
+      <p:sp>
+        <p:nvSpPr>
+          <p:cNvPr id="233" name="Google Shape;233;p20"/>
+          <p:cNvSpPr txBox="1">
+            <a:spLocks noGrp="1"/>
+          </p:cNvSpPr>
+          <p:nvPr>
+            <p:ph type="sldNum" idx="12"/>
+          </p:nvPr>
+        </p:nvSpPr>
+        <p:spPr>
+          <a:xfrm>
+            <a:off x="8556775" y="4812625"/>
+            <a:ext cx="587100" cy="330900"/>
+          </a:xfrm>
+          <a:prstGeom prst="rect">
+            <a:avLst/>
+          </a:prstGeom>
+        </p:spPr>
+        <p:txBody>
+          <a:bodyPr spcFirstLastPara="1" wrap="square" lIns="91425" tIns="91425" rIns="91425" bIns="91425" anchor="t" anchorCtr="0">
+            <a:noAutofit/>
+          </a:bodyPr>
+          <a:lstStyle/>
+          <a:p>
+            <a:pPr marL="0" lvl="0" indent="0" algn="r" rtl="0">
+              <a:spcBef>
+                <a:spcPts val="0"/>
+              </a:spcBef>
+              <a:spcAft>
+                <a:spcPts val="0"/>
+              </a:spcAft>
+              <a:buNone/>
+            </a:pPr>
+            <a:fld id="{00000000-1234-1234-1234-123412341234}" type="slidenum">
+              <a:rPr lang="en"/>
+              <a:t>3</a:t>
+            </a:fld>
+            <a:endParaRPr/>
+          </a:p>
+        </p:txBody>
+      </p:sp>
+      <p:sp>
+        <p:nvSpPr>
+          <p:cNvPr id="9" name="Google Shape;516;p41"/>
+          <p:cNvSpPr/>
+          <p:nvPr/>
+        </p:nvSpPr>
+        <p:spPr>
+          <a:xfrm>
+            <a:off x="4254644" y="901549"/>
+            <a:ext cx="461228" cy="461200"/>
+          </a:xfrm>
+          <a:custGeom>
+            <a:avLst/>
+            <a:gdLst/>
+            <a:ahLst/>
+            <a:cxnLst/>
+            <a:rect l="l" t="t" r="r" b="b"/>
+            <a:pathLst>
+              <a:path w="16072" h="16071" extrusionOk="0">
+                <a:moveTo>
+                  <a:pt x="8036" y="0"/>
+                </a:moveTo>
+                <a:lnTo>
+                  <a:pt x="7938" y="24"/>
+                </a:lnTo>
+                <a:lnTo>
+                  <a:pt x="7792" y="98"/>
+                </a:lnTo>
+                <a:lnTo>
+                  <a:pt x="7328" y="366"/>
+                </a:lnTo>
+                <a:lnTo>
+                  <a:pt x="7059" y="537"/>
+                </a:lnTo>
+                <a:lnTo>
+                  <a:pt x="6766" y="757"/>
+                </a:lnTo>
+                <a:lnTo>
+                  <a:pt x="6448" y="977"/>
+                </a:lnTo>
+                <a:lnTo>
+                  <a:pt x="6155" y="1246"/>
+                </a:lnTo>
+                <a:lnTo>
+                  <a:pt x="5887" y="1514"/>
+                </a:lnTo>
+                <a:lnTo>
+                  <a:pt x="5643" y="1807"/>
+                </a:lnTo>
+                <a:lnTo>
+                  <a:pt x="5447" y="2100"/>
+                </a:lnTo>
+                <a:lnTo>
+                  <a:pt x="5374" y="2247"/>
+                </a:lnTo>
+                <a:lnTo>
+                  <a:pt x="5325" y="2418"/>
+                </a:lnTo>
+                <a:lnTo>
+                  <a:pt x="5276" y="2564"/>
+                </a:lnTo>
+                <a:lnTo>
+                  <a:pt x="5252" y="2711"/>
+                </a:lnTo>
+                <a:lnTo>
+                  <a:pt x="5252" y="2858"/>
+                </a:lnTo>
+                <a:lnTo>
+                  <a:pt x="5276" y="3029"/>
+                </a:lnTo>
+                <a:lnTo>
+                  <a:pt x="5325" y="3175"/>
+                </a:lnTo>
+                <a:lnTo>
+                  <a:pt x="5398" y="3322"/>
+                </a:lnTo>
+                <a:lnTo>
+                  <a:pt x="5496" y="3468"/>
+                </a:lnTo>
+                <a:lnTo>
+                  <a:pt x="5618" y="3615"/>
+                </a:lnTo>
+                <a:lnTo>
+                  <a:pt x="5814" y="3761"/>
+                </a:lnTo>
+                <a:lnTo>
+                  <a:pt x="6009" y="3859"/>
+                </a:lnTo>
+                <a:lnTo>
+                  <a:pt x="6204" y="3957"/>
+                </a:lnTo>
+                <a:lnTo>
+                  <a:pt x="6424" y="4005"/>
+                </a:lnTo>
+                <a:lnTo>
+                  <a:pt x="6644" y="4054"/>
+                </a:lnTo>
+                <a:lnTo>
+                  <a:pt x="6864" y="4152"/>
+                </a:lnTo>
+                <a:lnTo>
+                  <a:pt x="7059" y="4250"/>
+                </a:lnTo>
+                <a:lnTo>
+                  <a:pt x="7254" y="4421"/>
+                </a:lnTo>
+                <a:lnTo>
+                  <a:pt x="7425" y="4616"/>
+                </a:lnTo>
+                <a:lnTo>
+                  <a:pt x="7523" y="4836"/>
+                </a:lnTo>
+                <a:lnTo>
+                  <a:pt x="7596" y="5080"/>
+                </a:lnTo>
+                <a:lnTo>
+                  <a:pt x="7621" y="5373"/>
+                </a:lnTo>
+                <a:lnTo>
+                  <a:pt x="7596" y="5569"/>
+                </a:lnTo>
+                <a:lnTo>
+                  <a:pt x="7572" y="5788"/>
+                </a:lnTo>
+                <a:lnTo>
+                  <a:pt x="7499" y="5984"/>
+                </a:lnTo>
+                <a:lnTo>
+                  <a:pt x="7425" y="6179"/>
+                </a:lnTo>
+                <a:lnTo>
+                  <a:pt x="7328" y="6374"/>
+                </a:lnTo>
+                <a:lnTo>
+                  <a:pt x="7206" y="6570"/>
+                </a:lnTo>
+                <a:lnTo>
+                  <a:pt x="7059" y="6741"/>
+                </a:lnTo>
+                <a:lnTo>
+                  <a:pt x="6913" y="6912"/>
+                </a:lnTo>
+                <a:lnTo>
+                  <a:pt x="6742" y="7058"/>
+                </a:lnTo>
+                <a:lnTo>
+                  <a:pt x="6571" y="7205"/>
+                </a:lnTo>
+                <a:lnTo>
+                  <a:pt x="6400" y="7303"/>
+                </a:lnTo>
+                <a:lnTo>
+                  <a:pt x="6204" y="7425"/>
+                </a:lnTo>
+                <a:lnTo>
+                  <a:pt x="6009" y="7498"/>
+                </a:lnTo>
+                <a:lnTo>
+                  <a:pt x="5789" y="7571"/>
+                </a:lnTo>
+                <a:lnTo>
+                  <a:pt x="5569" y="7596"/>
+                </a:lnTo>
+                <a:lnTo>
+                  <a:pt x="5374" y="7620"/>
+                </a:lnTo>
+                <a:lnTo>
+                  <a:pt x="5105" y="7596"/>
+                </a:lnTo>
+                <a:lnTo>
+                  <a:pt x="4861" y="7522"/>
+                </a:lnTo>
+                <a:lnTo>
+                  <a:pt x="4617" y="7425"/>
+                </a:lnTo>
+                <a:lnTo>
+                  <a:pt x="4421" y="7254"/>
+                </a:lnTo>
+                <a:lnTo>
+                  <a:pt x="4250" y="7058"/>
+                </a:lnTo>
+                <a:lnTo>
+                  <a:pt x="4128" y="6839"/>
+                </a:lnTo>
+                <a:lnTo>
+                  <a:pt x="4055" y="6619"/>
+                </a:lnTo>
+                <a:lnTo>
+                  <a:pt x="3982" y="6399"/>
+                </a:lnTo>
+                <a:lnTo>
+                  <a:pt x="3933" y="6204"/>
+                </a:lnTo>
+                <a:lnTo>
+                  <a:pt x="3860" y="6008"/>
+                </a:lnTo>
+                <a:lnTo>
+                  <a:pt x="3762" y="5813"/>
+                </a:lnTo>
+                <a:lnTo>
+                  <a:pt x="3615" y="5617"/>
+                </a:lnTo>
+                <a:lnTo>
+                  <a:pt x="3469" y="5495"/>
+                </a:lnTo>
+                <a:lnTo>
+                  <a:pt x="3322" y="5398"/>
+                </a:lnTo>
+                <a:lnTo>
+                  <a:pt x="3176" y="5324"/>
+                </a:lnTo>
+                <a:lnTo>
+                  <a:pt x="3029" y="5275"/>
+                </a:lnTo>
+                <a:lnTo>
+                  <a:pt x="2858" y="5251"/>
+                </a:lnTo>
+                <a:lnTo>
+                  <a:pt x="2712" y="5251"/>
+                </a:lnTo>
+                <a:lnTo>
+                  <a:pt x="2565" y="5275"/>
+                </a:lnTo>
+                <a:lnTo>
+                  <a:pt x="2419" y="5324"/>
+                </a:lnTo>
+                <a:lnTo>
+                  <a:pt x="2248" y="5373"/>
+                </a:lnTo>
+                <a:lnTo>
+                  <a:pt x="2101" y="5446"/>
+                </a:lnTo>
+                <a:lnTo>
+                  <a:pt x="1808" y="5642"/>
+                </a:lnTo>
+                <a:lnTo>
+                  <a:pt x="1515" y="5886"/>
+                </a:lnTo>
+                <a:lnTo>
+                  <a:pt x="1246" y="6155"/>
+                </a:lnTo>
+                <a:lnTo>
+                  <a:pt x="978" y="6448"/>
+                </a:lnTo>
+                <a:lnTo>
+                  <a:pt x="758" y="6765"/>
+                </a:lnTo>
+                <a:lnTo>
+                  <a:pt x="538" y="7058"/>
+                </a:lnTo>
+                <a:lnTo>
+                  <a:pt x="367" y="7327"/>
+                </a:lnTo>
+                <a:lnTo>
+                  <a:pt x="99" y="7791"/>
+                </a:lnTo>
+                <a:lnTo>
+                  <a:pt x="25" y="7938"/>
+                </a:lnTo>
+                <a:lnTo>
+                  <a:pt x="1" y="8035"/>
+                </a:lnTo>
+                <a:lnTo>
+                  <a:pt x="25" y="8231"/>
+                </a:lnTo>
+                <a:lnTo>
+                  <a:pt x="74" y="8402"/>
+                </a:lnTo>
+                <a:lnTo>
+                  <a:pt x="172" y="8597"/>
+                </a:lnTo>
+                <a:lnTo>
+                  <a:pt x="294" y="8744"/>
+                </a:lnTo>
+                <a:lnTo>
+                  <a:pt x="587" y="9012"/>
+                </a:lnTo>
+                <a:lnTo>
+                  <a:pt x="880" y="9256"/>
+                </a:lnTo>
+                <a:lnTo>
+                  <a:pt x="1417" y="9696"/>
+                </a:lnTo>
+                <a:lnTo>
+                  <a:pt x="1906" y="10062"/>
+                </a:lnTo>
+                <a:lnTo>
+                  <a:pt x="2101" y="10233"/>
+                </a:lnTo>
+                <a:lnTo>
+                  <a:pt x="2297" y="10404"/>
+                </a:lnTo>
+                <a:lnTo>
+                  <a:pt x="2419" y="10575"/>
+                </a:lnTo>
+                <a:lnTo>
+                  <a:pt x="2541" y="10746"/>
+                </a:lnTo>
+                <a:lnTo>
+                  <a:pt x="2590" y="10917"/>
+                </a:lnTo>
+                <a:lnTo>
+                  <a:pt x="2590" y="11113"/>
+                </a:lnTo>
+                <a:lnTo>
+                  <a:pt x="2541" y="11308"/>
+                </a:lnTo>
+                <a:lnTo>
+                  <a:pt x="2443" y="11528"/>
+                </a:lnTo>
+                <a:lnTo>
+                  <a:pt x="2272" y="11772"/>
+                </a:lnTo>
+                <a:lnTo>
+                  <a:pt x="2004" y="12041"/>
+                </a:lnTo>
+                <a:lnTo>
+                  <a:pt x="1833" y="12212"/>
+                </a:lnTo>
+                <a:lnTo>
+                  <a:pt x="1637" y="12309"/>
+                </a:lnTo>
+                <a:lnTo>
+                  <a:pt x="1417" y="12383"/>
+                </a:lnTo>
+                <a:lnTo>
+                  <a:pt x="1222" y="12431"/>
+                </a:lnTo>
+                <a:lnTo>
+                  <a:pt x="1002" y="12480"/>
+                </a:lnTo>
+                <a:lnTo>
+                  <a:pt x="782" y="12578"/>
+                </a:lnTo>
+                <a:lnTo>
+                  <a:pt x="587" y="12700"/>
+                </a:lnTo>
+                <a:lnTo>
+                  <a:pt x="367" y="12871"/>
+                </a:lnTo>
+                <a:lnTo>
+                  <a:pt x="196" y="13066"/>
+                </a:lnTo>
+                <a:lnTo>
+                  <a:pt x="99" y="13286"/>
+                </a:lnTo>
+                <a:lnTo>
+                  <a:pt x="25" y="13530"/>
+                </a:lnTo>
+                <a:lnTo>
+                  <a:pt x="1" y="13799"/>
+                </a:lnTo>
+                <a:lnTo>
+                  <a:pt x="25" y="14019"/>
+                </a:lnTo>
+                <a:lnTo>
+                  <a:pt x="50" y="14239"/>
+                </a:lnTo>
+                <a:lnTo>
+                  <a:pt x="123" y="14434"/>
+                </a:lnTo>
+                <a:lnTo>
+                  <a:pt x="221" y="14654"/>
+                </a:lnTo>
+                <a:lnTo>
+                  <a:pt x="318" y="14825"/>
+                </a:lnTo>
+                <a:lnTo>
+                  <a:pt x="440" y="15020"/>
+                </a:lnTo>
+                <a:lnTo>
+                  <a:pt x="563" y="15191"/>
+                </a:lnTo>
+                <a:lnTo>
+                  <a:pt x="709" y="15362"/>
+                </a:lnTo>
+                <a:lnTo>
+                  <a:pt x="880" y="15509"/>
+                </a:lnTo>
+                <a:lnTo>
+                  <a:pt x="1051" y="15631"/>
+                </a:lnTo>
+                <a:lnTo>
+                  <a:pt x="1246" y="15753"/>
+                </a:lnTo>
+                <a:lnTo>
+                  <a:pt x="1442" y="15875"/>
+                </a:lnTo>
+                <a:lnTo>
+                  <a:pt x="1637" y="15948"/>
+                </a:lnTo>
+                <a:lnTo>
+                  <a:pt x="1857" y="16022"/>
+                </a:lnTo>
+                <a:lnTo>
+                  <a:pt x="2052" y="16046"/>
+                </a:lnTo>
+                <a:lnTo>
+                  <a:pt x="2272" y="16070"/>
+                </a:lnTo>
+                <a:lnTo>
+                  <a:pt x="2541" y="16046"/>
+                </a:lnTo>
+                <a:lnTo>
+                  <a:pt x="2785" y="15973"/>
+                </a:lnTo>
+                <a:lnTo>
+                  <a:pt x="3005" y="15875"/>
+                </a:lnTo>
+                <a:lnTo>
+                  <a:pt x="3200" y="15704"/>
+                </a:lnTo>
+                <a:lnTo>
+                  <a:pt x="3371" y="15509"/>
+                </a:lnTo>
+                <a:lnTo>
+                  <a:pt x="3493" y="15289"/>
+                </a:lnTo>
+                <a:lnTo>
+                  <a:pt x="3567" y="15094"/>
+                </a:lnTo>
+                <a:lnTo>
+                  <a:pt x="3615" y="14874"/>
+                </a:lnTo>
+                <a:lnTo>
+                  <a:pt x="3689" y="14654"/>
+                </a:lnTo>
+                <a:lnTo>
+                  <a:pt x="3762" y="14459"/>
+                </a:lnTo>
+                <a:lnTo>
+                  <a:pt x="3860" y="14239"/>
+                </a:lnTo>
+                <a:lnTo>
+                  <a:pt x="4031" y="14068"/>
+                </a:lnTo>
+                <a:lnTo>
+                  <a:pt x="4299" y="13824"/>
+                </a:lnTo>
+                <a:lnTo>
+                  <a:pt x="4544" y="13628"/>
+                </a:lnTo>
+                <a:lnTo>
+                  <a:pt x="4763" y="13530"/>
+                </a:lnTo>
+                <a:lnTo>
+                  <a:pt x="4959" y="13482"/>
+                </a:lnTo>
+                <a:lnTo>
+                  <a:pt x="5154" y="13482"/>
+                </a:lnTo>
+                <a:lnTo>
+                  <a:pt x="5325" y="13530"/>
+                </a:lnTo>
+                <a:lnTo>
+                  <a:pt x="5496" y="13653"/>
+                </a:lnTo>
+                <a:lnTo>
+                  <a:pt x="5667" y="13775"/>
+                </a:lnTo>
+                <a:lnTo>
+                  <a:pt x="5838" y="13970"/>
+                </a:lnTo>
+                <a:lnTo>
+                  <a:pt x="6009" y="14165"/>
+                </a:lnTo>
+                <a:lnTo>
+                  <a:pt x="6375" y="14654"/>
+                </a:lnTo>
+                <a:lnTo>
+                  <a:pt x="6815" y="15191"/>
+                </a:lnTo>
+                <a:lnTo>
+                  <a:pt x="7059" y="15484"/>
+                </a:lnTo>
+                <a:lnTo>
+                  <a:pt x="7328" y="15777"/>
+                </a:lnTo>
+                <a:lnTo>
+                  <a:pt x="7474" y="15899"/>
+                </a:lnTo>
+                <a:lnTo>
+                  <a:pt x="7670" y="15997"/>
+                </a:lnTo>
+                <a:lnTo>
+                  <a:pt x="7841" y="16046"/>
+                </a:lnTo>
+                <a:lnTo>
+                  <a:pt x="8036" y="16070"/>
+                </a:lnTo>
+                <a:lnTo>
+                  <a:pt x="8134" y="16046"/>
+                </a:lnTo>
+                <a:lnTo>
+                  <a:pt x="8280" y="15973"/>
+                </a:lnTo>
+                <a:lnTo>
+                  <a:pt x="8744" y="15704"/>
+                </a:lnTo>
+                <a:lnTo>
+                  <a:pt x="9013" y="15533"/>
+                </a:lnTo>
+                <a:lnTo>
+                  <a:pt x="9306" y="15313"/>
+                </a:lnTo>
+                <a:lnTo>
+                  <a:pt x="9623" y="15094"/>
+                </a:lnTo>
+                <a:lnTo>
+                  <a:pt x="9917" y="14825"/>
+                </a:lnTo>
+                <a:lnTo>
+                  <a:pt x="10185" y="14556"/>
+                </a:lnTo>
+                <a:lnTo>
+                  <a:pt x="10429" y="14263"/>
+                </a:lnTo>
+                <a:lnTo>
+                  <a:pt x="10625" y="13970"/>
+                </a:lnTo>
+                <a:lnTo>
+                  <a:pt x="10698" y="13824"/>
+                </a:lnTo>
+                <a:lnTo>
+                  <a:pt x="10747" y="13653"/>
+                </a:lnTo>
+                <a:lnTo>
+                  <a:pt x="10796" y="13506"/>
+                </a:lnTo>
+                <a:lnTo>
+                  <a:pt x="10820" y="13359"/>
+                </a:lnTo>
+                <a:lnTo>
+                  <a:pt x="10820" y="13213"/>
+                </a:lnTo>
+                <a:lnTo>
+                  <a:pt x="10796" y="13042"/>
+                </a:lnTo>
+                <a:lnTo>
+                  <a:pt x="10747" y="12895"/>
+                </a:lnTo>
+                <a:lnTo>
+                  <a:pt x="10674" y="12749"/>
+                </a:lnTo>
+                <a:lnTo>
+                  <a:pt x="10576" y="12602"/>
+                </a:lnTo>
+                <a:lnTo>
+                  <a:pt x="10454" y="12456"/>
+                </a:lnTo>
+                <a:lnTo>
+                  <a:pt x="10258" y="12309"/>
+                </a:lnTo>
+                <a:lnTo>
+                  <a:pt x="10063" y="12212"/>
+                </a:lnTo>
+                <a:lnTo>
+                  <a:pt x="9868" y="12138"/>
+                </a:lnTo>
+                <a:lnTo>
+                  <a:pt x="9648" y="12065"/>
+                </a:lnTo>
+                <a:lnTo>
+                  <a:pt x="9428" y="12016"/>
+                </a:lnTo>
+                <a:lnTo>
+                  <a:pt x="9208" y="11919"/>
+                </a:lnTo>
+                <a:lnTo>
+                  <a:pt x="9013" y="11821"/>
+                </a:lnTo>
+                <a:lnTo>
+                  <a:pt x="8818" y="11650"/>
+                </a:lnTo>
+                <a:lnTo>
+                  <a:pt x="8647" y="11454"/>
+                </a:lnTo>
+                <a:lnTo>
+                  <a:pt x="8549" y="11235"/>
+                </a:lnTo>
+                <a:lnTo>
+                  <a:pt x="8476" y="10990"/>
+                </a:lnTo>
+                <a:lnTo>
+                  <a:pt x="8451" y="10697"/>
+                </a:lnTo>
+                <a:lnTo>
+                  <a:pt x="8476" y="10502"/>
+                </a:lnTo>
+                <a:lnTo>
+                  <a:pt x="8500" y="10282"/>
+                </a:lnTo>
+                <a:lnTo>
+                  <a:pt x="8573" y="10087"/>
+                </a:lnTo>
+                <a:lnTo>
+                  <a:pt x="8647" y="9891"/>
+                </a:lnTo>
+                <a:lnTo>
+                  <a:pt x="8744" y="9696"/>
+                </a:lnTo>
+                <a:lnTo>
+                  <a:pt x="8866" y="9501"/>
+                </a:lnTo>
+                <a:lnTo>
+                  <a:pt x="9013" y="9330"/>
+                </a:lnTo>
+                <a:lnTo>
+                  <a:pt x="9159" y="9159"/>
+                </a:lnTo>
+                <a:lnTo>
+                  <a:pt x="9330" y="9012"/>
+                </a:lnTo>
+                <a:lnTo>
+                  <a:pt x="9501" y="8890"/>
+                </a:lnTo>
+                <a:lnTo>
+                  <a:pt x="9672" y="8768"/>
+                </a:lnTo>
+                <a:lnTo>
+                  <a:pt x="9868" y="8646"/>
+                </a:lnTo>
+                <a:lnTo>
+                  <a:pt x="10063" y="8573"/>
+                </a:lnTo>
+                <a:lnTo>
+                  <a:pt x="10283" y="8499"/>
+                </a:lnTo>
+                <a:lnTo>
+                  <a:pt x="10503" y="8475"/>
+                </a:lnTo>
+                <a:lnTo>
+                  <a:pt x="10698" y="8450"/>
+                </a:lnTo>
+                <a:lnTo>
+                  <a:pt x="10967" y="8475"/>
+                </a:lnTo>
+                <a:lnTo>
+                  <a:pt x="11211" y="8548"/>
+                </a:lnTo>
+                <a:lnTo>
+                  <a:pt x="11455" y="8646"/>
+                </a:lnTo>
+                <a:lnTo>
+                  <a:pt x="11651" y="8817"/>
+                </a:lnTo>
+                <a:lnTo>
+                  <a:pt x="11822" y="9012"/>
+                </a:lnTo>
+                <a:lnTo>
+                  <a:pt x="11944" y="9232"/>
+                </a:lnTo>
+                <a:lnTo>
+                  <a:pt x="12017" y="9452"/>
+                </a:lnTo>
+                <a:lnTo>
+                  <a:pt x="12090" y="9672"/>
+                </a:lnTo>
+                <a:lnTo>
+                  <a:pt x="12139" y="9867"/>
+                </a:lnTo>
+                <a:lnTo>
+                  <a:pt x="12212" y="10062"/>
+                </a:lnTo>
+                <a:lnTo>
+                  <a:pt x="12310" y="10258"/>
+                </a:lnTo>
+                <a:lnTo>
+                  <a:pt x="12457" y="10453"/>
+                </a:lnTo>
+                <a:lnTo>
+                  <a:pt x="12603" y="10575"/>
+                </a:lnTo>
+                <a:lnTo>
+                  <a:pt x="12750" y="10673"/>
+                </a:lnTo>
+                <a:lnTo>
+                  <a:pt x="12896" y="10746"/>
+                </a:lnTo>
+                <a:lnTo>
+                  <a:pt x="13043" y="10795"/>
+                </a:lnTo>
+                <a:lnTo>
+                  <a:pt x="13214" y="10819"/>
+                </a:lnTo>
+                <a:lnTo>
+                  <a:pt x="13360" y="10819"/>
+                </a:lnTo>
+                <a:lnTo>
+                  <a:pt x="13507" y="10795"/>
+                </a:lnTo>
+                <a:lnTo>
+                  <a:pt x="13653" y="10746"/>
+                </a:lnTo>
+                <a:lnTo>
+                  <a:pt x="13824" y="10697"/>
+                </a:lnTo>
+                <a:lnTo>
+                  <a:pt x="13971" y="10624"/>
+                </a:lnTo>
+                <a:lnTo>
+                  <a:pt x="14264" y="10429"/>
+                </a:lnTo>
+                <a:lnTo>
+                  <a:pt x="14557" y="10184"/>
+                </a:lnTo>
+                <a:lnTo>
+                  <a:pt x="14826" y="9916"/>
+                </a:lnTo>
+                <a:lnTo>
+                  <a:pt x="15094" y="9623"/>
+                </a:lnTo>
+                <a:lnTo>
+                  <a:pt x="15314" y="9305"/>
+                </a:lnTo>
+                <a:lnTo>
+                  <a:pt x="15534" y="9012"/>
+                </a:lnTo>
+                <a:lnTo>
+                  <a:pt x="15705" y="8744"/>
+                </a:lnTo>
+                <a:lnTo>
+                  <a:pt x="15973" y="8279"/>
+                </a:lnTo>
+                <a:lnTo>
+                  <a:pt x="16047" y="8133"/>
+                </a:lnTo>
+                <a:lnTo>
+                  <a:pt x="16071" y="8035"/>
+                </a:lnTo>
+                <a:lnTo>
+                  <a:pt x="16047" y="7840"/>
+                </a:lnTo>
+                <a:lnTo>
+                  <a:pt x="15998" y="7669"/>
+                </a:lnTo>
+                <a:lnTo>
+                  <a:pt x="15900" y="7474"/>
+                </a:lnTo>
+                <a:lnTo>
+                  <a:pt x="15778" y="7327"/>
+                </a:lnTo>
+                <a:lnTo>
+                  <a:pt x="15485" y="7058"/>
+                </a:lnTo>
+                <a:lnTo>
+                  <a:pt x="15192" y="6814"/>
+                </a:lnTo>
+                <a:lnTo>
+                  <a:pt x="14655" y="6374"/>
+                </a:lnTo>
+                <a:lnTo>
+                  <a:pt x="14166" y="6008"/>
+                </a:lnTo>
+                <a:lnTo>
+                  <a:pt x="13971" y="5837"/>
+                </a:lnTo>
+                <a:lnTo>
+                  <a:pt x="13775" y="5666"/>
+                </a:lnTo>
+                <a:lnTo>
+                  <a:pt x="13653" y="5495"/>
+                </a:lnTo>
+                <a:lnTo>
+                  <a:pt x="13531" y="5324"/>
+                </a:lnTo>
+                <a:lnTo>
+                  <a:pt x="13482" y="5153"/>
+                </a:lnTo>
+                <a:lnTo>
+                  <a:pt x="13482" y="4958"/>
+                </a:lnTo>
+                <a:lnTo>
+                  <a:pt x="13531" y="4763"/>
+                </a:lnTo>
+                <a:lnTo>
+                  <a:pt x="13629" y="4543"/>
+                </a:lnTo>
+                <a:lnTo>
+                  <a:pt x="13800" y="4299"/>
+                </a:lnTo>
+                <a:lnTo>
+                  <a:pt x="14068" y="4030"/>
+                </a:lnTo>
+                <a:lnTo>
+                  <a:pt x="14239" y="3859"/>
+                </a:lnTo>
+                <a:lnTo>
+                  <a:pt x="14435" y="3761"/>
+                </a:lnTo>
+                <a:lnTo>
+                  <a:pt x="14655" y="3688"/>
+                </a:lnTo>
+                <a:lnTo>
+                  <a:pt x="14850" y="3639"/>
+                </a:lnTo>
+                <a:lnTo>
+                  <a:pt x="15070" y="3590"/>
+                </a:lnTo>
+                <a:lnTo>
+                  <a:pt x="15290" y="3493"/>
+                </a:lnTo>
+                <a:lnTo>
+                  <a:pt x="15485" y="3370"/>
+                </a:lnTo>
+                <a:lnTo>
+                  <a:pt x="15705" y="3199"/>
+                </a:lnTo>
+                <a:lnTo>
+                  <a:pt x="15876" y="3004"/>
+                </a:lnTo>
+                <a:lnTo>
+                  <a:pt x="15973" y="2784"/>
+                </a:lnTo>
+                <a:lnTo>
+                  <a:pt x="16047" y="2540"/>
+                </a:lnTo>
+                <a:lnTo>
+                  <a:pt x="16071" y="2271"/>
+                </a:lnTo>
+                <a:lnTo>
+                  <a:pt x="16047" y="2052"/>
+                </a:lnTo>
+                <a:lnTo>
+                  <a:pt x="16022" y="1832"/>
+                </a:lnTo>
+                <a:lnTo>
+                  <a:pt x="15949" y="1636"/>
+                </a:lnTo>
+                <a:lnTo>
+                  <a:pt x="15851" y="1417"/>
+                </a:lnTo>
+                <a:lnTo>
+                  <a:pt x="15754" y="1246"/>
+                </a:lnTo>
+                <a:lnTo>
+                  <a:pt x="15632" y="1050"/>
+                </a:lnTo>
+                <a:lnTo>
+                  <a:pt x="15509" y="879"/>
+                </a:lnTo>
+                <a:lnTo>
+                  <a:pt x="15363" y="708"/>
+                </a:lnTo>
+                <a:lnTo>
+                  <a:pt x="15192" y="562"/>
+                </a:lnTo>
+                <a:lnTo>
+                  <a:pt x="15021" y="440"/>
+                </a:lnTo>
+                <a:lnTo>
+                  <a:pt x="14826" y="318"/>
+                </a:lnTo>
+                <a:lnTo>
+                  <a:pt x="14630" y="195"/>
+                </a:lnTo>
+                <a:lnTo>
+                  <a:pt x="14435" y="122"/>
+                </a:lnTo>
+                <a:lnTo>
+                  <a:pt x="14215" y="49"/>
+                </a:lnTo>
+                <a:lnTo>
+                  <a:pt x="14020" y="24"/>
+                </a:lnTo>
+                <a:lnTo>
+                  <a:pt x="13800" y="0"/>
+                </a:lnTo>
+                <a:lnTo>
+                  <a:pt x="13531" y="24"/>
+                </a:lnTo>
+                <a:lnTo>
+                  <a:pt x="13287" y="98"/>
+                </a:lnTo>
+                <a:lnTo>
+                  <a:pt x="13067" y="195"/>
+                </a:lnTo>
+                <a:lnTo>
+                  <a:pt x="12872" y="366"/>
+                </a:lnTo>
+                <a:lnTo>
+                  <a:pt x="12701" y="562"/>
+                </a:lnTo>
+                <a:lnTo>
+                  <a:pt x="12579" y="782"/>
+                </a:lnTo>
+                <a:lnTo>
+                  <a:pt x="12505" y="977"/>
+                </a:lnTo>
+                <a:lnTo>
+                  <a:pt x="12457" y="1197"/>
+                </a:lnTo>
+                <a:lnTo>
+                  <a:pt x="12383" y="1417"/>
+                </a:lnTo>
+                <a:lnTo>
+                  <a:pt x="12310" y="1612"/>
+                </a:lnTo>
+                <a:lnTo>
+                  <a:pt x="12212" y="1832"/>
+                </a:lnTo>
+                <a:lnTo>
+                  <a:pt x="12041" y="2003"/>
+                </a:lnTo>
+                <a:lnTo>
+                  <a:pt x="11773" y="2271"/>
+                </a:lnTo>
+                <a:lnTo>
+                  <a:pt x="11528" y="2442"/>
+                </a:lnTo>
+                <a:lnTo>
+                  <a:pt x="11309" y="2540"/>
+                </a:lnTo>
+                <a:lnTo>
+                  <a:pt x="11113" y="2589"/>
+                </a:lnTo>
+                <a:lnTo>
+                  <a:pt x="10918" y="2589"/>
+                </a:lnTo>
+                <a:lnTo>
+                  <a:pt x="10747" y="2540"/>
+                </a:lnTo>
+                <a:lnTo>
+                  <a:pt x="10576" y="2418"/>
+                </a:lnTo>
+                <a:lnTo>
+                  <a:pt x="10405" y="2296"/>
+                </a:lnTo>
+                <a:lnTo>
+                  <a:pt x="10234" y="2100"/>
+                </a:lnTo>
+                <a:lnTo>
+                  <a:pt x="10063" y="1905"/>
+                </a:lnTo>
+                <a:lnTo>
+                  <a:pt x="9697" y="1417"/>
+                </a:lnTo>
+                <a:lnTo>
+                  <a:pt x="9257" y="879"/>
+                </a:lnTo>
+                <a:lnTo>
+                  <a:pt x="9013" y="586"/>
+                </a:lnTo>
+                <a:lnTo>
+                  <a:pt x="8744" y="293"/>
+                </a:lnTo>
+                <a:lnTo>
+                  <a:pt x="8598" y="171"/>
+                </a:lnTo>
+                <a:lnTo>
+                  <a:pt x="8402" y="73"/>
+                </a:lnTo>
+                <a:lnTo>
+                  <a:pt x="8231" y="24"/>
+                </a:lnTo>
+                <a:lnTo>
+                  <a:pt x="8036" y="0"/>
+                </a:lnTo>
+                <a:close/>
+              </a:path>
+            </a:pathLst>
+          </a:custGeom>
+          <a:solidFill>
+            <a:srgbClr val="FFFFFF"/>
+          </a:solidFill>
+          <a:ln>
+            <a:noFill/>
+          </a:ln>
+        </p:spPr>
+        <p:txBody>
+          <a:bodyPr spcFirstLastPara="1" wrap="square" lIns="91425" tIns="91425" rIns="91425" bIns="91425" anchor="ctr" anchorCtr="0">
+            <a:noAutofit/>
+          </a:bodyPr>
+          <a:lstStyle/>
+          <a:p>
+            <a:pPr marL="0" lvl="0" indent="0" algn="l" rtl="0">
+              <a:spcBef>
+                <a:spcPts val="0"/>
+              </a:spcBef>
+              <a:spcAft>
+                <a:spcPts val="0"/>
+              </a:spcAft>
+              <a:buNone/>
+            </a:pPr>
+            <a:endParaRPr/>
+          </a:p>
+        </p:txBody>
+      </p:sp>
+    </p:spTree>
+    <p:extLst>
+      <p:ext uri="{BB962C8B-B14F-4D97-AF65-F5344CB8AC3E}">
+        <p14:creationId xmlns:p14="http://schemas.microsoft.com/office/powerpoint/2010/main" val="1839695584"/>
+      </p:ext>
+    </p:extLst>
+  </p:cSld>
+  <p:clrMapOvr>
+    <a:masterClrMapping/>
+  </p:clrMapOvr>
+  <p:timing>
+    <p:tnLst>
+      <p:par>
+        <p:cTn id="1" dur="indefinite" restart="never" nodeType="tmRoot"/>
+      </p:par>
+    </p:tnLst>
+  </p:timing>
+</p:sld>
+</file>
+
+<file path=ppt/slides/slide4.xml><?xml version="1.0" encoding="utf-8"?>
+<p:sld xmlns:a="http://schemas.openxmlformats.org/drawingml/2006/main" xmlns:r="http://schemas.openxmlformats.org/officeDocument/2006/relationships" xmlns:p="http://schemas.openxmlformats.org/presentationml/2006/main">
+  <p:cSld>
+    <p:spTree>
+      <p:nvGrpSpPr>
+        <p:cNvPr id="1" name="Shape 394"/>
+        <p:cNvGrpSpPr/>
+        <p:nvPr/>
+      </p:nvGrpSpPr>
+      <p:grpSpPr>
+        <a:xfrm>
+          <a:off x="0" y="0"/>
+          <a:ext cx="0" cy="0"/>
+          <a:chOff x="0" y="0"/>
+          <a:chExt cx="0" cy="0"/>
+        </a:xfrm>
+      </p:grpSpPr>
+      <p:sp>
+        <p:nvSpPr>
+          <p:cNvPr id="395" name="Google Shape;395;p37"/>
+          <p:cNvSpPr/>
+          <p:nvPr/>
+        </p:nvSpPr>
+        <p:spPr>
+          <a:xfrm>
+            <a:off x="3076725" y="896774"/>
+            <a:ext cx="4596701" cy="3578584"/>
+          </a:xfrm>
+          <a:custGeom>
+            <a:avLst/>
+            <a:gdLst/>
+            <a:ahLst/>
+            <a:cxnLst/>
+            <a:rect l="l" t="t" r="r" b="b"/>
+            <a:pathLst>
+              <a:path w="143434" h="111665" extrusionOk="0">
+                <a:moveTo>
+                  <a:pt x="71751" y="2308"/>
+                </a:moveTo>
+                <a:lnTo>
+                  <a:pt x="71887" y="2376"/>
+                </a:lnTo>
+                <a:lnTo>
+                  <a:pt x="72091" y="2444"/>
+                </a:lnTo>
+                <a:lnTo>
+                  <a:pt x="72159" y="2647"/>
+                </a:lnTo>
+                <a:lnTo>
+                  <a:pt x="72226" y="2783"/>
+                </a:lnTo>
+                <a:lnTo>
+                  <a:pt x="72159" y="2987"/>
+                </a:lnTo>
+                <a:lnTo>
+                  <a:pt x="72091" y="3190"/>
+                </a:lnTo>
+                <a:lnTo>
+                  <a:pt x="71887" y="3258"/>
+                </a:lnTo>
+                <a:lnTo>
+                  <a:pt x="71751" y="3326"/>
+                </a:lnTo>
+                <a:lnTo>
+                  <a:pt x="71548" y="3258"/>
+                </a:lnTo>
+                <a:lnTo>
+                  <a:pt x="71344" y="3190"/>
+                </a:lnTo>
+                <a:lnTo>
+                  <a:pt x="71276" y="2987"/>
+                </a:lnTo>
+                <a:lnTo>
+                  <a:pt x="71208" y="2783"/>
+                </a:lnTo>
+                <a:lnTo>
+                  <a:pt x="71276" y="2647"/>
+                </a:lnTo>
+                <a:lnTo>
+                  <a:pt x="71344" y="2444"/>
+                </a:lnTo>
+                <a:lnTo>
+                  <a:pt x="71548" y="2376"/>
+                </a:lnTo>
+                <a:lnTo>
+                  <a:pt x="71751" y="2308"/>
+                </a:lnTo>
+                <a:close/>
+                <a:moveTo>
+                  <a:pt x="137528" y="5906"/>
+                </a:moveTo>
+                <a:lnTo>
+                  <a:pt x="137596" y="5974"/>
+                </a:lnTo>
+                <a:lnTo>
+                  <a:pt x="137596" y="89604"/>
+                </a:lnTo>
+                <a:lnTo>
+                  <a:pt x="5906" y="89604"/>
+                </a:lnTo>
+                <a:lnTo>
+                  <a:pt x="5906" y="5974"/>
+                </a:lnTo>
+                <a:lnTo>
+                  <a:pt x="5906" y="5906"/>
+                </a:lnTo>
+                <a:close/>
+                <a:moveTo>
+                  <a:pt x="3530" y="0"/>
+                </a:moveTo>
+                <a:lnTo>
+                  <a:pt x="3191" y="68"/>
+                </a:lnTo>
+                <a:lnTo>
+                  <a:pt x="2444" y="339"/>
+                </a:lnTo>
+                <a:lnTo>
+                  <a:pt x="1766" y="679"/>
+                </a:lnTo>
+                <a:lnTo>
+                  <a:pt x="1155" y="1154"/>
+                </a:lnTo>
+                <a:lnTo>
+                  <a:pt x="679" y="1765"/>
+                </a:lnTo>
+                <a:lnTo>
+                  <a:pt x="272" y="2444"/>
+                </a:lnTo>
+                <a:lnTo>
+                  <a:pt x="69" y="3190"/>
+                </a:lnTo>
+                <a:lnTo>
+                  <a:pt x="1" y="3598"/>
+                </a:lnTo>
+                <a:lnTo>
+                  <a:pt x="1" y="4005"/>
+                </a:lnTo>
+                <a:lnTo>
+                  <a:pt x="1" y="91572"/>
+                </a:lnTo>
+                <a:lnTo>
+                  <a:pt x="1" y="91979"/>
+                </a:lnTo>
+                <a:lnTo>
+                  <a:pt x="69" y="92319"/>
+                </a:lnTo>
+                <a:lnTo>
+                  <a:pt x="272" y="93065"/>
+                </a:lnTo>
+                <a:lnTo>
+                  <a:pt x="679" y="93744"/>
+                </a:lnTo>
+                <a:lnTo>
+                  <a:pt x="1155" y="94355"/>
+                </a:lnTo>
+                <a:lnTo>
+                  <a:pt x="1766" y="94830"/>
+                </a:lnTo>
+                <a:lnTo>
+                  <a:pt x="2444" y="95238"/>
+                </a:lnTo>
+                <a:lnTo>
+                  <a:pt x="3191" y="95441"/>
+                </a:lnTo>
+                <a:lnTo>
+                  <a:pt x="3530" y="95509"/>
+                </a:lnTo>
+                <a:lnTo>
+                  <a:pt x="139904" y="95509"/>
+                </a:lnTo>
+                <a:lnTo>
+                  <a:pt x="140311" y="95441"/>
+                </a:lnTo>
+                <a:lnTo>
+                  <a:pt x="141058" y="95238"/>
+                </a:lnTo>
+                <a:lnTo>
+                  <a:pt x="141737" y="94830"/>
+                </a:lnTo>
+                <a:lnTo>
+                  <a:pt x="142280" y="94355"/>
+                </a:lnTo>
+                <a:lnTo>
+                  <a:pt x="142755" y="93744"/>
+                </a:lnTo>
+                <a:lnTo>
+                  <a:pt x="143162" y="93065"/>
+                </a:lnTo>
+                <a:lnTo>
+                  <a:pt x="143366" y="92319"/>
+                </a:lnTo>
+                <a:lnTo>
+                  <a:pt x="143434" y="91979"/>
+                </a:lnTo>
+                <a:lnTo>
+                  <a:pt x="143434" y="91572"/>
+                </a:lnTo>
+                <a:lnTo>
+                  <a:pt x="143434" y="4005"/>
+                </a:lnTo>
+                <a:lnTo>
+                  <a:pt x="143434" y="3598"/>
+                </a:lnTo>
+                <a:lnTo>
+                  <a:pt x="143366" y="3190"/>
+                </a:lnTo>
+                <a:lnTo>
+                  <a:pt x="143162" y="2444"/>
+                </a:lnTo>
+                <a:lnTo>
+                  <a:pt x="142755" y="1765"/>
+                </a:lnTo>
+                <a:lnTo>
+                  <a:pt x="142280" y="1154"/>
+                </a:lnTo>
+                <a:lnTo>
+                  <a:pt x="141737" y="679"/>
+                </a:lnTo>
+                <a:lnTo>
+                  <a:pt x="141058" y="339"/>
+                </a:lnTo>
+                <a:lnTo>
+                  <a:pt x="140311" y="68"/>
+                </a:lnTo>
+                <a:lnTo>
+                  <a:pt x="139904" y="0"/>
+                </a:lnTo>
+                <a:close/>
+                <a:moveTo>
+                  <a:pt x="55324" y="95713"/>
+                </a:moveTo>
+                <a:lnTo>
+                  <a:pt x="55052" y="98971"/>
+                </a:lnTo>
+                <a:lnTo>
+                  <a:pt x="54713" y="102297"/>
+                </a:lnTo>
+                <a:lnTo>
+                  <a:pt x="54374" y="105284"/>
+                </a:lnTo>
+                <a:lnTo>
+                  <a:pt x="53966" y="107388"/>
+                </a:lnTo>
+                <a:lnTo>
+                  <a:pt x="53763" y="108203"/>
+                </a:lnTo>
+                <a:lnTo>
+                  <a:pt x="53627" y="108746"/>
+                </a:lnTo>
+                <a:lnTo>
+                  <a:pt x="53423" y="109153"/>
+                </a:lnTo>
+                <a:lnTo>
+                  <a:pt x="53220" y="109357"/>
+                </a:lnTo>
+                <a:lnTo>
+                  <a:pt x="52677" y="109493"/>
+                </a:lnTo>
+                <a:lnTo>
+                  <a:pt x="51794" y="109696"/>
+                </a:lnTo>
+                <a:lnTo>
+                  <a:pt x="49690" y="110036"/>
+                </a:lnTo>
+                <a:lnTo>
+                  <a:pt x="48061" y="110307"/>
+                </a:lnTo>
+                <a:lnTo>
+                  <a:pt x="47450" y="110443"/>
+                </a:lnTo>
+                <a:lnTo>
+                  <a:pt x="47110" y="110511"/>
+                </a:lnTo>
+                <a:lnTo>
+                  <a:pt x="47042" y="110579"/>
+                </a:lnTo>
+                <a:lnTo>
+                  <a:pt x="47042" y="110783"/>
+                </a:lnTo>
+                <a:lnTo>
+                  <a:pt x="47110" y="110850"/>
+                </a:lnTo>
+                <a:lnTo>
+                  <a:pt x="47585" y="110918"/>
+                </a:lnTo>
+                <a:lnTo>
+                  <a:pt x="48400" y="110986"/>
+                </a:lnTo>
+                <a:lnTo>
+                  <a:pt x="51387" y="111054"/>
+                </a:lnTo>
+                <a:lnTo>
+                  <a:pt x="56071" y="111122"/>
+                </a:lnTo>
+                <a:lnTo>
+                  <a:pt x="87092" y="111122"/>
+                </a:lnTo>
+                <a:lnTo>
+                  <a:pt x="91708" y="111054"/>
+                </a:lnTo>
+                <a:lnTo>
+                  <a:pt x="94695" y="110986"/>
+                </a:lnTo>
+                <a:lnTo>
+                  <a:pt x="95578" y="110918"/>
+                </a:lnTo>
+                <a:lnTo>
+                  <a:pt x="96053" y="110850"/>
+                </a:lnTo>
+                <a:lnTo>
+                  <a:pt x="96121" y="110783"/>
+                </a:lnTo>
+                <a:lnTo>
+                  <a:pt x="96121" y="110579"/>
+                </a:lnTo>
+                <a:lnTo>
+                  <a:pt x="96053" y="110511"/>
+                </a:lnTo>
+                <a:lnTo>
+                  <a:pt x="95713" y="110443"/>
+                </a:lnTo>
+                <a:lnTo>
+                  <a:pt x="95102" y="110307"/>
+                </a:lnTo>
+                <a:lnTo>
+                  <a:pt x="93473" y="110036"/>
+                </a:lnTo>
+                <a:lnTo>
+                  <a:pt x="91369" y="109696"/>
+                </a:lnTo>
+                <a:lnTo>
+                  <a:pt x="90487" y="109493"/>
+                </a:lnTo>
+                <a:lnTo>
+                  <a:pt x="89943" y="109357"/>
+                </a:lnTo>
+                <a:lnTo>
+                  <a:pt x="89740" y="109153"/>
+                </a:lnTo>
+                <a:lnTo>
+                  <a:pt x="89536" y="108746"/>
+                </a:lnTo>
+                <a:lnTo>
+                  <a:pt x="89333" y="108203"/>
+                </a:lnTo>
+                <a:lnTo>
+                  <a:pt x="89197" y="107388"/>
+                </a:lnTo>
+                <a:lnTo>
+                  <a:pt x="88789" y="105284"/>
+                </a:lnTo>
+                <a:lnTo>
+                  <a:pt x="88382" y="102297"/>
+                </a:lnTo>
+                <a:lnTo>
+                  <a:pt x="88043" y="98971"/>
+                </a:lnTo>
+                <a:lnTo>
+                  <a:pt x="87839" y="95713"/>
+                </a:lnTo>
+                <a:close/>
+                <a:moveTo>
+                  <a:pt x="47450" y="111054"/>
+                </a:moveTo>
+                <a:lnTo>
+                  <a:pt x="47450" y="111122"/>
+                </a:lnTo>
+                <a:lnTo>
+                  <a:pt x="47450" y="111393"/>
+                </a:lnTo>
+                <a:lnTo>
+                  <a:pt x="47518" y="111461"/>
+                </a:lnTo>
+                <a:lnTo>
+                  <a:pt x="48807" y="111529"/>
+                </a:lnTo>
+                <a:lnTo>
+                  <a:pt x="52473" y="111597"/>
+                </a:lnTo>
+                <a:lnTo>
+                  <a:pt x="62384" y="111665"/>
+                </a:lnTo>
+                <a:lnTo>
+                  <a:pt x="80779" y="111665"/>
+                </a:lnTo>
+                <a:lnTo>
+                  <a:pt x="90622" y="111597"/>
+                </a:lnTo>
+                <a:lnTo>
+                  <a:pt x="94356" y="111529"/>
+                </a:lnTo>
+                <a:lnTo>
+                  <a:pt x="95646" y="111461"/>
+                </a:lnTo>
+                <a:lnTo>
+                  <a:pt x="95713" y="111393"/>
+                </a:lnTo>
+                <a:lnTo>
+                  <a:pt x="95713" y="111122"/>
+                </a:lnTo>
+                <a:lnTo>
+                  <a:pt x="95646" y="111054"/>
+                </a:lnTo>
+                <a:lnTo>
+                  <a:pt x="94084" y="111122"/>
+                </a:lnTo>
+                <a:lnTo>
+                  <a:pt x="91233" y="111190"/>
+                </a:lnTo>
+                <a:lnTo>
+                  <a:pt x="80847" y="111258"/>
+                </a:lnTo>
+                <a:lnTo>
+                  <a:pt x="62316" y="111258"/>
+                </a:lnTo>
+                <a:lnTo>
+                  <a:pt x="51930" y="111190"/>
+                </a:lnTo>
+                <a:lnTo>
+                  <a:pt x="49079" y="111122"/>
+                </a:lnTo>
+                <a:lnTo>
+                  <a:pt x="47518" y="111054"/>
+                </a:lnTo>
+                <a:close/>
+              </a:path>
+            </a:pathLst>
+          </a:custGeom>
+          <a:noFill/>
+          <a:ln w="9525" cap="flat" cmpd="sng">
+            <a:solidFill>
+              <a:srgbClr val="6699FF"/>
+            </a:solidFill>
+            <a:prstDash val="solid"/>
+            <a:round/>
+            <a:headEnd type="none" w="sm" len="sm"/>
+            <a:tailEnd type="none" w="sm" len="sm"/>
+          </a:ln>
+        </p:spPr>
+        <p:txBody>
+          <a:bodyPr spcFirstLastPara="1" wrap="square" lIns="91425" tIns="91425" rIns="91425" bIns="91425" anchor="ctr" anchorCtr="0">
+            <a:noAutofit/>
+          </a:bodyPr>
+          <a:lstStyle/>
+          <a:p>
+            <a:pPr marL="0" lvl="0" indent="0" algn="l" rtl="0">
+              <a:spcBef>
+                <a:spcPts val="0"/>
+              </a:spcBef>
+              <a:spcAft>
+                <a:spcPts val="0"/>
+              </a:spcAft>
+              <a:buNone/>
+            </a:pPr>
+            <a:endParaRPr/>
+          </a:p>
+        </p:txBody>
+      </p:sp>
+      <p:sp>
+        <p:nvSpPr>
+          <p:cNvPr id="396" name="Google Shape;396;p37"/>
+          <p:cNvSpPr/>
+          <p:nvPr/>
+        </p:nvSpPr>
+        <p:spPr>
+          <a:xfrm>
+            <a:off x="3269080" y="1086811"/>
+            <a:ext cx="4212000" cy="2689500"/>
+          </a:xfrm>
+          <a:prstGeom prst="rect">
+            <a:avLst/>
+          </a:prstGeom>
+          <a:solidFill>
+            <a:srgbClr val="FFFFFF">
+              <a:alpha val="14229"/>
+            </a:srgbClr>
+          </a:solidFill>
+          <a:ln>
+            <a:noFill/>
+          </a:ln>
+        </p:spPr>
+        <p:txBody>
+          <a:bodyPr spcFirstLastPara="1" wrap="square" lIns="91425" tIns="91425" rIns="91425" bIns="91425" anchor="ctr" anchorCtr="0">
+            <a:noAutofit/>
+          </a:bodyPr>
+          <a:lstStyle/>
+          <a:p>
+            <a:pPr marL="0" lvl="0" indent="0" algn="ctr" rtl="0">
+              <a:spcBef>
+                <a:spcPts val="0"/>
+              </a:spcBef>
+              <a:spcAft>
+                <a:spcPts val="0"/>
+              </a:spcAft>
+              <a:buNone/>
+            </a:pPr>
+            <a:r>
+              <a:rPr lang="en" sz="1000">
+                <a:solidFill>
+                  <a:srgbClr val="FFFFFF"/>
+                </a:solidFill>
+                <a:latin typeface="Hind"/>
+                <a:ea typeface="Hind"/>
+                <a:cs typeface="Hind"/>
+                <a:sym typeface="Hind"/>
+              </a:rPr>
+              <a:t>Place your screenshot here</a:t>
+            </a:r>
+            <a:endParaRPr sz="1000">
+              <a:solidFill>
+                <a:srgbClr val="FFFFFF"/>
+              </a:solidFill>
+              <a:latin typeface="Hind"/>
+              <a:ea typeface="Hind"/>
+              <a:cs typeface="Hind"/>
+              <a:sym typeface="Hind"/>
+            </a:endParaRPr>
+          </a:p>
+        </p:txBody>
+      </p:sp>
+      <p:sp>
+        <p:nvSpPr>
+          <p:cNvPr id="397" name="Google Shape;397;p37"/>
+          <p:cNvSpPr txBox="1">
+            <a:spLocks noGrp="1"/>
+          </p:cNvSpPr>
+          <p:nvPr>
+            <p:ph type="body" idx="4294967295"/>
+          </p:nvPr>
+        </p:nvSpPr>
+        <p:spPr>
+          <a:xfrm>
+            <a:off x="393425" y="577100"/>
+            <a:ext cx="2447400" cy="1539300"/>
+          </a:xfrm>
+          <a:prstGeom prst="rect">
+            <a:avLst/>
+          </a:prstGeom>
+        </p:spPr>
+        <p:txBody>
+          <a:bodyPr spcFirstLastPara="1" wrap="square" lIns="91425" tIns="91425" rIns="91425" bIns="91425" anchor="b" anchorCtr="0">
+            <a:noAutofit/>
+          </a:bodyPr>
+          <a:lstStyle/>
+          <a:p>
+            <a:pPr marL="0" lvl="0" indent="0" algn="l" rtl="0">
+              <a:spcBef>
+                <a:spcPts val="600"/>
+              </a:spcBef>
+              <a:spcAft>
+                <a:spcPts val="0"/>
+              </a:spcAft>
+              <a:buNone/>
+            </a:pPr>
+            <a:r>
+              <a:rPr lang="en" sz="1800" b="1" dirty="0" smtClean="0">
+                <a:solidFill>
+                  <a:srgbClr val="6699FF"/>
+                </a:solidFill>
+              </a:rPr>
+              <a:t>Text Editor</a:t>
+            </a:r>
+          </a:p>
+          <a:p>
+            <a:pPr marL="0" lvl="0" indent="0" algn="l" rtl="0">
+              <a:spcBef>
+                <a:spcPts val="600"/>
+              </a:spcBef>
+              <a:spcAft>
+                <a:spcPts val="0"/>
+              </a:spcAft>
+              <a:buNone/>
+            </a:pPr>
+            <a:r>
+              <a:rPr lang="en-US" sz="1800" dirty="0" smtClean="0">
+                <a:solidFill>
+                  <a:schemeClr val="bg1"/>
+                </a:solidFill>
+              </a:rPr>
+              <a:t>A</a:t>
+            </a:r>
+            <a:r>
+              <a:rPr lang="en" sz="1800" dirty="0" smtClean="0">
+                <a:solidFill>
+                  <a:schemeClr val="bg1"/>
+                </a:solidFill>
+              </a:rPr>
+              <a:t>tom</a:t>
+            </a:r>
+          </a:p>
+          <a:p>
+            <a:pPr marL="0" lvl="0" indent="0" algn="l" rtl="0">
+              <a:spcBef>
+                <a:spcPts val="600"/>
+              </a:spcBef>
+              <a:spcAft>
+                <a:spcPts val="0"/>
+              </a:spcAft>
+              <a:buNone/>
+            </a:pPr>
+            <a:r>
+              <a:rPr lang="en-US" sz="1800" dirty="0" smtClean="0">
+                <a:solidFill>
+                  <a:schemeClr val="bg1"/>
+                </a:solidFill>
+                <a:hlinkClick r:id="rId3"/>
+              </a:rPr>
+              <a:t>a</a:t>
+            </a:r>
+            <a:r>
+              <a:rPr lang="en" sz="1800" dirty="0" smtClean="0">
+                <a:solidFill>
+                  <a:schemeClr val="bg1"/>
+                </a:solidFill>
+                <a:hlinkClick r:id="rId3"/>
+              </a:rPr>
+              <a:t>tom.io</a:t>
+            </a:r>
+            <a:endParaRPr lang="en" sz="1800" dirty="0" smtClean="0">
+              <a:solidFill>
+                <a:schemeClr val="bg1"/>
+              </a:solidFill>
+            </a:endParaRPr>
+          </a:p>
+          <a:p>
+            <a:pPr marL="0" lvl="0" indent="0" algn="l" rtl="0">
+              <a:spcBef>
+                <a:spcPts val="600"/>
+              </a:spcBef>
+              <a:spcAft>
+                <a:spcPts val="0"/>
+              </a:spcAft>
+              <a:buNone/>
+            </a:pPr>
+            <a:endParaRPr sz="1800" dirty="0">
+              <a:solidFill>
+                <a:schemeClr val="bg1"/>
+              </a:solidFill>
+            </a:endParaRPr>
+          </a:p>
+        </p:txBody>
+      </p:sp>
+      <p:sp>
+        <p:nvSpPr>
+          <p:cNvPr id="398" name="Google Shape;398;p37"/>
+          <p:cNvSpPr txBox="1">
+            <a:spLocks noGrp="1"/>
+          </p:cNvSpPr>
+          <p:nvPr>
+            <p:ph type="sldNum" idx="12"/>
+          </p:nvPr>
+        </p:nvSpPr>
+        <p:spPr>
+          <a:xfrm>
+            <a:off x="8556775" y="4812625"/>
+            <a:ext cx="587100" cy="330900"/>
+          </a:xfrm>
+          <a:prstGeom prst="rect">
+            <a:avLst/>
+          </a:prstGeom>
+        </p:spPr>
+        <p:txBody>
+          <a:bodyPr spcFirstLastPara="1" wrap="square" lIns="91425" tIns="91425" rIns="91425" bIns="91425" anchor="t" anchorCtr="0">
+            <a:noAutofit/>
+          </a:bodyPr>
+          <a:lstStyle/>
+          <a:p>
+            <a:pPr marL="0" lvl="0" indent="0" algn="r" rtl="0">
+              <a:spcBef>
+                <a:spcPts val="0"/>
+              </a:spcBef>
+              <a:spcAft>
+                <a:spcPts val="0"/>
+              </a:spcAft>
+              <a:buNone/>
+            </a:pPr>
+            <a:fld id="{00000000-1234-1234-1234-123412341234}" type="slidenum">
+              <a:rPr lang="en"/>
+              <a:t>4</a:t>
+            </a:fld>
+            <a:endParaRPr/>
+          </a:p>
+        </p:txBody>
+      </p:sp>
+      <p:pic>
+        <p:nvPicPr>
+          <p:cNvPr id="2" name="Picture 1"/>
+          <p:cNvPicPr>
+            <a:picLocks noChangeAspect="1"/>
+          </p:cNvPicPr>
+          <p:nvPr/>
+        </p:nvPicPr>
+        <p:blipFill rotWithShape="1">
+          <a:blip r:embed="rId4"/>
+          <a:srcRect r="6685"/>
+          <a:stretch/>
+        </p:blipFill>
+        <p:spPr>
+          <a:xfrm>
+            <a:off x="3269080" y="1086811"/>
+            <a:ext cx="4204870" cy="2675564"/>
+          </a:xfrm>
+          <a:prstGeom prst="rect">
+            <a:avLst/>
+          </a:prstGeom>
+        </p:spPr>
+      </p:pic>
+    </p:spTree>
+    <p:extLst>
+      <p:ext uri="{BB962C8B-B14F-4D97-AF65-F5344CB8AC3E}">
+        <p14:creationId xmlns:p14="http://schemas.microsoft.com/office/powerpoint/2010/main" val="3801109722"/>
+      </p:ext>
+    </p:extLst>
+  </p:cSld>
+  <p:clrMapOvr>
+    <a:masterClrMapping/>
+  </p:clrMapOvr>
+  <p:timing>
+    <p:tnLst>
+      <p:par>
+        <p:cTn id="1" dur="indefinite" restart="never" nodeType="tmRoot"/>
+      </p:par>
+    </p:tnLst>
+  </p:timing>
+</p:sld>
+</file>
+
+<file path=ppt/slides/slide5.xml><?xml version="1.0" encoding="utf-8"?>
 <p:sld xmlns:a="http://schemas.openxmlformats.org/drawingml/2006/main" xmlns:r="http://schemas.openxmlformats.org/officeDocument/2006/relationships" xmlns:p="http://schemas.openxmlformats.org/presentationml/2006/main">
   <p:cSld>
     <p:spTree>
@@ -7587,9 +9521,10 @@
           <a:lstStyle/>
           <a:p>
             <a:r>
-              <a:rPr lang="en-US" sz="1800" dirty="0"/>
-              <a:t>Buy computing services from someone else</a:t>
+              <a:rPr lang="en-US" sz="1800" dirty="0" smtClean="0"/>
+              <a:t>Pay a company for computing services</a:t>
             </a:r>
+            <a:endParaRPr lang="en-US" sz="1800" dirty="0"/>
           </a:p>
           <a:p>
             <a:r>
@@ -7647,7 +9582,7 @@
             </a:pPr>
             <a:fld id="{00000000-1234-1234-1234-123412341234}" type="slidenum">
               <a:rPr lang="en"/>
-              <a:t>3</a:t>
+              <a:t>5</a:t>
             </a:fld>
             <a:endParaRPr/>
           </a:p>
@@ -8062,10 +9997,17 @@
   <p:clrMapOvr>
     <a:masterClrMapping/>
   </p:clrMapOvr>
+  <p:timing>
+    <p:tnLst>
+      <p:par>
+        <p:cTn id="1" dur="indefinite" restart="never" nodeType="tmRoot"/>
+      </p:par>
+    </p:tnLst>
+  </p:timing>
 </p:sld>
 </file>
 
-<file path=ppt/slides/slide4.xml><?xml version="1.0" encoding="utf-8"?>
+<file path=ppt/slides/slide6.xml><?xml version="1.0" encoding="utf-8"?>
 <p:sld xmlns:a="http://schemas.openxmlformats.org/drawingml/2006/main" xmlns:r="http://schemas.openxmlformats.org/officeDocument/2006/relationships" xmlns:p="http://schemas.openxmlformats.org/presentationml/2006/main">
   <p:cSld>
     <p:spTree>
@@ -8240,7 +10182,7 @@
             </a:pPr>
             <a:fld id="{00000000-1234-1234-1234-123412341234}" type="slidenum">
               <a:rPr lang="en"/>
-              <a:t>4</a:t>
+              <a:t>6</a:t>
             </a:fld>
             <a:endParaRPr/>
           </a:p>
@@ -8292,1893 +10234,13 @@
   <p:clrMapOvr>
     <a:masterClrMapping/>
   </p:clrMapOvr>
-</p:sld>
-</file>
-
-<file path=ppt/slides/slide5.xml><?xml version="1.0" encoding="utf-8"?>
-<p:sld xmlns:a="http://schemas.openxmlformats.org/drawingml/2006/main" xmlns:r="http://schemas.openxmlformats.org/officeDocument/2006/relationships" xmlns:p="http://schemas.openxmlformats.org/presentationml/2006/main">
-  <p:cSld>
-    <p:spTree>
-      <p:nvGrpSpPr>
-        <p:cNvPr id="1" name="Shape 230"/>
-        <p:cNvGrpSpPr/>
-        <p:nvPr/>
-      </p:nvGrpSpPr>
-      <p:grpSpPr>
-        <a:xfrm>
-          <a:off x="0" y="0"/>
-          <a:ext cx="0" cy="0"/>
-          <a:chOff x="0" y="0"/>
-          <a:chExt cx="0" cy="0"/>
-        </a:xfrm>
-      </p:grpSpPr>
-      <p:sp>
-        <p:nvSpPr>
-          <p:cNvPr id="231" name="Google Shape;231;p20"/>
-          <p:cNvSpPr txBox="1">
-            <a:spLocks noGrp="1"/>
-          </p:cNvSpPr>
-          <p:nvPr>
-            <p:ph type="title"/>
-          </p:nvPr>
-        </p:nvSpPr>
-        <p:spPr>
-          <a:xfrm>
-            <a:off x="1067088" y="900150"/>
-            <a:ext cx="5972100" cy="636000"/>
-          </a:xfrm>
-          <a:prstGeom prst="rect">
-            <a:avLst/>
-          </a:prstGeom>
-        </p:spPr>
-        <p:txBody>
-          <a:bodyPr spcFirstLastPara="1" wrap="square" lIns="91425" tIns="91425" rIns="91425" bIns="91425" anchor="b" anchorCtr="0">
-            <a:noAutofit/>
-          </a:bodyPr>
-          <a:lstStyle/>
-          <a:p>
-            <a:pPr lvl="0"/>
-            <a:r>
-              <a:rPr lang="en-US" dirty="0" smtClean="0"/>
-              <a:t>1) Template </a:t>
-            </a:r>
-            <a:r>
-              <a:rPr lang="en-US" dirty="0"/>
-              <a:t>Site</a:t>
-            </a:r>
-            <a:endParaRPr dirty="0"/>
-          </a:p>
-        </p:txBody>
-      </p:sp>
-      <p:sp>
-        <p:nvSpPr>
-          <p:cNvPr id="232" name="Google Shape;232;p20"/>
-          <p:cNvSpPr txBox="1">
-            <a:spLocks noGrp="1"/>
-          </p:cNvSpPr>
-          <p:nvPr>
-            <p:ph type="body" idx="1"/>
-          </p:nvPr>
-        </p:nvSpPr>
-        <p:spPr>
-          <a:xfrm>
-            <a:off x="1067088" y="1650548"/>
-            <a:ext cx="6375112" cy="2764500"/>
-          </a:xfrm>
-          <a:prstGeom prst="rect">
-            <a:avLst/>
-          </a:prstGeom>
-        </p:spPr>
-        <p:txBody>
-          <a:bodyPr spcFirstLastPara="1" wrap="square" lIns="91425" tIns="91425" rIns="91425" bIns="91425" anchor="t" anchorCtr="0">
-            <a:noAutofit/>
-          </a:bodyPr>
-          <a:lstStyle/>
-          <a:p>
-            <a:r>
-              <a:rPr lang="en-US" sz="2000" dirty="0"/>
-              <a:t>Start with a premade site: </a:t>
-            </a:r>
-            <a:r>
-              <a:rPr lang="en-US" sz="2000" dirty="0">
-                <a:hlinkClick r:id="rId3"/>
-              </a:rPr>
-              <a:t>tiny.cc/pw-code</a:t>
-            </a:r>
-            <a:endParaRPr lang="en-US" sz="2000" dirty="0"/>
-          </a:p>
-          <a:p>
-            <a:r>
-              <a:rPr lang="en-US" sz="2000" dirty="0"/>
-              <a:t>Example:  </a:t>
-            </a:r>
-            <a:r>
-              <a:rPr lang="en-US" sz="2000" dirty="0">
-                <a:hlinkClick r:id="rId4"/>
-              </a:rPr>
-              <a:t>tiny.cc/pw-example</a:t>
-            </a:r>
-            <a:endParaRPr lang="en-US" sz="2000" dirty="0"/>
-          </a:p>
-          <a:p>
-            <a:r>
-              <a:rPr lang="en-US" sz="2000" dirty="0"/>
-              <a:t>No programming experience required</a:t>
-            </a:r>
-          </a:p>
-          <a:p>
-            <a:r>
-              <a:rPr lang="en-US" sz="2000" dirty="0"/>
-              <a:t>Fill in your own </a:t>
-            </a:r>
-            <a:r>
-              <a:rPr lang="en-US" sz="2000" dirty="0" smtClean="0"/>
-              <a:t>information</a:t>
-            </a:r>
-            <a:endParaRPr lang="en-US" sz="2000" dirty="0"/>
-          </a:p>
-        </p:txBody>
-      </p:sp>
-      <p:sp>
-        <p:nvSpPr>
-          <p:cNvPr id="233" name="Google Shape;233;p20"/>
-          <p:cNvSpPr txBox="1">
-            <a:spLocks noGrp="1"/>
-          </p:cNvSpPr>
-          <p:nvPr>
-            <p:ph type="sldNum" idx="12"/>
-          </p:nvPr>
-        </p:nvSpPr>
-        <p:spPr>
-          <a:xfrm>
-            <a:off x="8556775" y="4812625"/>
-            <a:ext cx="587100" cy="330900"/>
-          </a:xfrm>
-          <a:prstGeom prst="rect">
-            <a:avLst/>
-          </a:prstGeom>
-        </p:spPr>
-        <p:txBody>
-          <a:bodyPr spcFirstLastPara="1" wrap="square" lIns="91425" tIns="91425" rIns="91425" bIns="91425" anchor="t" anchorCtr="0">
-            <a:noAutofit/>
-          </a:bodyPr>
-          <a:lstStyle/>
-          <a:p>
-            <a:pPr marL="0" lvl="0" indent="0" algn="r" rtl="0">
-              <a:spcBef>
-                <a:spcPts val="0"/>
-              </a:spcBef>
-              <a:spcAft>
-                <a:spcPts val="0"/>
-              </a:spcAft>
-              <a:buNone/>
-            </a:pPr>
-            <a:fld id="{00000000-1234-1234-1234-123412341234}" type="slidenum">
-              <a:rPr lang="en"/>
-              <a:t>5</a:t>
-            </a:fld>
-            <a:endParaRPr/>
-          </a:p>
-        </p:txBody>
-      </p:sp>
-      <p:sp>
-        <p:nvSpPr>
-          <p:cNvPr id="9" name="Google Shape;516;p41"/>
-          <p:cNvSpPr/>
-          <p:nvPr/>
-        </p:nvSpPr>
-        <p:spPr>
-          <a:xfrm>
-            <a:off x="4254644" y="901549"/>
-            <a:ext cx="461228" cy="461200"/>
-          </a:xfrm>
-          <a:custGeom>
-            <a:avLst/>
-            <a:gdLst/>
-            <a:ahLst/>
-            <a:cxnLst/>
-            <a:rect l="l" t="t" r="r" b="b"/>
-            <a:pathLst>
-              <a:path w="16072" h="16071" extrusionOk="0">
-                <a:moveTo>
-                  <a:pt x="8036" y="0"/>
-                </a:moveTo>
-                <a:lnTo>
-                  <a:pt x="7938" y="24"/>
-                </a:lnTo>
-                <a:lnTo>
-                  <a:pt x="7792" y="98"/>
-                </a:lnTo>
-                <a:lnTo>
-                  <a:pt x="7328" y="366"/>
-                </a:lnTo>
-                <a:lnTo>
-                  <a:pt x="7059" y="537"/>
-                </a:lnTo>
-                <a:lnTo>
-                  <a:pt x="6766" y="757"/>
-                </a:lnTo>
-                <a:lnTo>
-                  <a:pt x="6448" y="977"/>
-                </a:lnTo>
-                <a:lnTo>
-                  <a:pt x="6155" y="1246"/>
-                </a:lnTo>
-                <a:lnTo>
-                  <a:pt x="5887" y="1514"/>
-                </a:lnTo>
-                <a:lnTo>
-                  <a:pt x="5643" y="1807"/>
-                </a:lnTo>
-                <a:lnTo>
-                  <a:pt x="5447" y="2100"/>
-                </a:lnTo>
-                <a:lnTo>
-                  <a:pt x="5374" y="2247"/>
-                </a:lnTo>
-                <a:lnTo>
-                  <a:pt x="5325" y="2418"/>
-                </a:lnTo>
-                <a:lnTo>
-                  <a:pt x="5276" y="2564"/>
-                </a:lnTo>
-                <a:lnTo>
-                  <a:pt x="5252" y="2711"/>
-                </a:lnTo>
-                <a:lnTo>
-                  <a:pt x="5252" y="2858"/>
-                </a:lnTo>
-                <a:lnTo>
-                  <a:pt x="5276" y="3029"/>
-                </a:lnTo>
-                <a:lnTo>
-                  <a:pt x="5325" y="3175"/>
-                </a:lnTo>
-                <a:lnTo>
-                  <a:pt x="5398" y="3322"/>
-                </a:lnTo>
-                <a:lnTo>
-                  <a:pt x="5496" y="3468"/>
-                </a:lnTo>
-                <a:lnTo>
-                  <a:pt x="5618" y="3615"/>
-                </a:lnTo>
-                <a:lnTo>
-                  <a:pt x="5814" y="3761"/>
-                </a:lnTo>
-                <a:lnTo>
-                  <a:pt x="6009" y="3859"/>
-                </a:lnTo>
-                <a:lnTo>
-                  <a:pt x="6204" y="3957"/>
-                </a:lnTo>
-                <a:lnTo>
-                  <a:pt x="6424" y="4005"/>
-                </a:lnTo>
-                <a:lnTo>
-                  <a:pt x="6644" y="4054"/>
-                </a:lnTo>
-                <a:lnTo>
-                  <a:pt x="6864" y="4152"/>
-                </a:lnTo>
-                <a:lnTo>
-                  <a:pt x="7059" y="4250"/>
-                </a:lnTo>
-                <a:lnTo>
-                  <a:pt x="7254" y="4421"/>
-                </a:lnTo>
-                <a:lnTo>
-                  <a:pt x="7425" y="4616"/>
-                </a:lnTo>
-                <a:lnTo>
-                  <a:pt x="7523" y="4836"/>
-                </a:lnTo>
-                <a:lnTo>
-                  <a:pt x="7596" y="5080"/>
-                </a:lnTo>
-                <a:lnTo>
-                  <a:pt x="7621" y="5373"/>
-                </a:lnTo>
-                <a:lnTo>
-                  <a:pt x="7596" y="5569"/>
-                </a:lnTo>
-                <a:lnTo>
-                  <a:pt x="7572" y="5788"/>
-                </a:lnTo>
-                <a:lnTo>
-                  <a:pt x="7499" y="5984"/>
-                </a:lnTo>
-                <a:lnTo>
-                  <a:pt x="7425" y="6179"/>
-                </a:lnTo>
-                <a:lnTo>
-                  <a:pt x="7328" y="6374"/>
-                </a:lnTo>
-                <a:lnTo>
-                  <a:pt x="7206" y="6570"/>
-                </a:lnTo>
-                <a:lnTo>
-                  <a:pt x="7059" y="6741"/>
-                </a:lnTo>
-                <a:lnTo>
-                  <a:pt x="6913" y="6912"/>
-                </a:lnTo>
-                <a:lnTo>
-                  <a:pt x="6742" y="7058"/>
-                </a:lnTo>
-                <a:lnTo>
-                  <a:pt x="6571" y="7205"/>
-                </a:lnTo>
-                <a:lnTo>
-                  <a:pt x="6400" y="7303"/>
-                </a:lnTo>
-                <a:lnTo>
-                  <a:pt x="6204" y="7425"/>
-                </a:lnTo>
-                <a:lnTo>
-                  <a:pt x="6009" y="7498"/>
-                </a:lnTo>
-                <a:lnTo>
-                  <a:pt x="5789" y="7571"/>
-                </a:lnTo>
-                <a:lnTo>
-                  <a:pt x="5569" y="7596"/>
-                </a:lnTo>
-                <a:lnTo>
-                  <a:pt x="5374" y="7620"/>
-                </a:lnTo>
-                <a:lnTo>
-                  <a:pt x="5105" y="7596"/>
-                </a:lnTo>
-                <a:lnTo>
-                  <a:pt x="4861" y="7522"/>
-                </a:lnTo>
-                <a:lnTo>
-                  <a:pt x="4617" y="7425"/>
-                </a:lnTo>
-                <a:lnTo>
-                  <a:pt x="4421" y="7254"/>
-                </a:lnTo>
-                <a:lnTo>
-                  <a:pt x="4250" y="7058"/>
-                </a:lnTo>
-                <a:lnTo>
-                  <a:pt x="4128" y="6839"/>
-                </a:lnTo>
-                <a:lnTo>
-                  <a:pt x="4055" y="6619"/>
-                </a:lnTo>
-                <a:lnTo>
-                  <a:pt x="3982" y="6399"/>
-                </a:lnTo>
-                <a:lnTo>
-                  <a:pt x="3933" y="6204"/>
-                </a:lnTo>
-                <a:lnTo>
-                  <a:pt x="3860" y="6008"/>
-                </a:lnTo>
-                <a:lnTo>
-                  <a:pt x="3762" y="5813"/>
-                </a:lnTo>
-                <a:lnTo>
-                  <a:pt x="3615" y="5617"/>
-                </a:lnTo>
-                <a:lnTo>
-                  <a:pt x="3469" y="5495"/>
-                </a:lnTo>
-                <a:lnTo>
-                  <a:pt x="3322" y="5398"/>
-                </a:lnTo>
-                <a:lnTo>
-                  <a:pt x="3176" y="5324"/>
-                </a:lnTo>
-                <a:lnTo>
-                  <a:pt x="3029" y="5275"/>
-                </a:lnTo>
-                <a:lnTo>
-                  <a:pt x="2858" y="5251"/>
-                </a:lnTo>
-                <a:lnTo>
-                  <a:pt x="2712" y="5251"/>
-                </a:lnTo>
-                <a:lnTo>
-                  <a:pt x="2565" y="5275"/>
-                </a:lnTo>
-                <a:lnTo>
-                  <a:pt x="2419" y="5324"/>
-                </a:lnTo>
-                <a:lnTo>
-                  <a:pt x="2248" y="5373"/>
-                </a:lnTo>
-                <a:lnTo>
-                  <a:pt x="2101" y="5446"/>
-                </a:lnTo>
-                <a:lnTo>
-                  <a:pt x="1808" y="5642"/>
-                </a:lnTo>
-                <a:lnTo>
-                  <a:pt x="1515" y="5886"/>
-                </a:lnTo>
-                <a:lnTo>
-                  <a:pt x="1246" y="6155"/>
-                </a:lnTo>
-                <a:lnTo>
-                  <a:pt x="978" y="6448"/>
-                </a:lnTo>
-                <a:lnTo>
-                  <a:pt x="758" y="6765"/>
-                </a:lnTo>
-                <a:lnTo>
-                  <a:pt x="538" y="7058"/>
-                </a:lnTo>
-                <a:lnTo>
-                  <a:pt x="367" y="7327"/>
-                </a:lnTo>
-                <a:lnTo>
-                  <a:pt x="99" y="7791"/>
-                </a:lnTo>
-                <a:lnTo>
-                  <a:pt x="25" y="7938"/>
-                </a:lnTo>
-                <a:lnTo>
-                  <a:pt x="1" y="8035"/>
-                </a:lnTo>
-                <a:lnTo>
-                  <a:pt x="25" y="8231"/>
-                </a:lnTo>
-                <a:lnTo>
-                  <a:pt x="74" y="8402"/>
-                </a:lnTo>
-                <a:lnTo>
-                  <a:pt x="172" y="8597"/>
-                </a:lnTo>
-                <a:lnTo>
-                  <a:pt x="294" y="8744"/>
-                </a:lnTo>
-                <a:lnTo>
-                  <a:pt x="587" y="9012"/>
-                </a:lnTo>
-                <a:lnTo>
-                  <a:pt x="880" y="9256"/>
-                </a:lnTo>
-                <a:lnTo>
-                  <a:pt x="1417" y="9696"/>
-                </a:lnTo>
-                <a:lnTo>
-                  <a:pt x="1906" y="10062"/>
-                </a:lnTo>
-                <a:lnTo>
-                  <a:pt x="2101" y="10233"/>
-                </a:lnTo>
-                <a:lnTo>
-                  <a:pt x="2297" y="10404"/>
-                </a:lnTo>
-                <a:lnTo>
-                  <a:pt x="2419" y="10575"/>
-                </a:lnTo>
-                <a:lnTo>
-                  <a:pt x="2541" y="10746"/>
-                </a:lnTo>
-                <a:lnTo>
-                  <a:pt x="2590" y="10917"/>
-                </a:lnTo>
-                <a:lnTo>
-                  <a:pt x="2590" y="11113"/>
-                </a:lnTo>
-                <a:lnTo>
-                  <a:pt x="2541" y="11308"/>
-                </a:lnTo>
-                <a:lnTo>
-                  <a:pt x="2443" y="11528"/>
-                </a:lnTo>
-                <a:lnTo>
-                  <a:pt x="2272" y="11772"/>
-                </a:lnTo>
-                <a:lnTo>
-                  <a:pt x="2004" y="12041"/>
-                </a:lnTo>
-                <a:lnTo>
-                  <a:pt x="1833" y="12212"/>
-                </a:lnTo>
-                <a:lnTo>
-                  <a:pt x="1637" y="12309"/>
-                </a:lnTo>
-                <a:lnTo>
-                  <a:pt x="1417" y="12383"/>
-                </a:lnTo>
-                <a:lnTo>
-                  <a:pt x="1222" y="12431"/>
-                </a:lnTo>
-                <a:lnTo>
-                  <a:pt x="1002" y="12480"/>
-                </a:lnTo>
-                <a:lnTo>
-                  <a:pt x="782" y="12578"/>
-                </a:lnTo>
-                <a:lnTo>
-                  <a:pt x="587" y="12700"/>
-                </a:lnTo>
-                <a:lnTo>
-                  <a:pt x="367" y="12871"/>
-                </a:lnTo>
-                <a:lnTo>
-                  <a:pt x="196" y="13066"/>
-                </a:lnTo>
-                <a:lnTo>
-                  <a:pt x="99" y="13286"/>
-                </a:lnTo>
-                <a:lnTo>
-                  <a:pt x="25" y="13530"/>
-                </a:lnTo>
-                <a:lnTo>
-                  <a:pt x="1" y="13799"/>
-                </a:lnTo>
-                <a:lnTo>
-                  <a:pt x="25" y="14019"/>
-                </a:lnTo>
-                <a:lnTo>
-                  <a:pt x="50" y="14239"/>
-                </a:lnTo>
-                <a:lnTo>
-                  <a:pt x="123" y="14434"/>
-                </a:lnTo>
-                <a:lnTo>
-                  <a:pt x="221" y="14654"/>
-                </a:lnTo>
-                <a:lnTo>
-                  <a:pt x="318" y="14825"/>
-                </a:lnTo>
-                <a:lnTo>
-                  <a:pt x="440" y="15020"/>
-                </a:lnTo>
-                <a:lnTo>
-                  <a:pt x="563" y="15191"/>
-                </a:lnTo>
-                <a:lnTo>
-                  <a:pt x="709" y="15362"/>
-                </a:lnTo>
-                <a:lnTo>
-                  <a:pt x="880" y="15509"/>
-                </a:lnTo>
-                <a:lnTo>
-                  <a:pt x="1051" y="15631"/>
-                </a:lnTo>
-                <a:lnTo>
-                  <a:pt x="1246" y="15753"/>
-                </a:lnTo>
-                <a:lnTo>
-                  <a:pt x="1442" y="15875"/>
-                </a:lnTo>
-                <a:lnTo>
-                  <a:pt x="1637" y="15948"/>
-                </a:lnTo>
-                <a:lnTo>
-                  <a:pt x="1857" y="16022"/>
-                </a:lnTo>
-                <a:lnTo>
-                  <a:pt x="2052" y="16046"/>
-                </a:lnTo>
-                <a:lnTo>
-                  <a:pt x="2272" y="16070"/>
-                </a:lnTo>
-                <a:lnTo>
-                  <a:pt x="2541" y="16046"/>
-                </a:lnTo>
-                <a:lnTo>
-                  <a:pt x="2785" y="15973"/>
-                </a:lnTo>
-                <a:lnTo>
-                  <a:pt x="3005" y="15875"/>
-                </a:lnTo>
-                <a:lnTo>
-                  <a:pt x="3200" y="15704"/>
-                </a:lnTo>
-                <a:lnTo>
-                  <a:pt x="3371" y="15509"/>
-                </a:lnTo>
-                <a:lnTo>
-                  <a:pt x="3493" y="15289"/>
-                </a:lnTo>
-                <a:lnTo>
-                  <a:pt x="3567" y="15094"/>
-                </a:lnTo>
-                <a:lnTo>
-                  <a:pt x="3615" y="14874"/>
-                </a:lnTo>
-                <a:lnTo>
-                  <a:pt x="3689" y="14654"/>
-                </a:lnTo>
-                <a:lnTo>
-                  <a:pt x="3762" y="14459"/>
-                </a:lnTo>
-                <a:lnTo>
-                  <a:pt x="3860" y="14239"/>
-                </a:lnTo>
-                <a:lnTo>
-                  <a:pt x="4031" y="14068"/>
-                </a:lnTo>
-                <a:lnTo>
-                  <a:pt x="4299" y="13824"/>
-                </a:lnTo>
-                <a:lnTo>
-                  <a:pt x="4544" y="13628"/>
-                </a:lnTo>
-                <a:lnTo>
-                  <a:pt x="4763" y="13530"/>
-                </a:lnTo>
-                <a:lnTo>
-                  <a:pt x="4959" y="13482"/>
-                </a:lnTo>
-                <a:lnTo>
-                  <a:pt x="5154" y="13482"/>
-                </a:lnTo>
-                <a:lnTo>
-                  <a:pt x="5325" y="13530"/>
-                </a:lnTo>
-                <a:lnTo>
-                  <a:pt x="5496" y="13653"/>
-                </a:lnTo>
-                <a:lnTo>
-                  <a:pt x="5667" y="13775"/>
-                </a:lnTo>
-                <a:lnTo>
-                  <a:pt x="5838" y="13970"/>
-                </a:lnTo>
-                <a:lnTo>
-                  <a:pt x="6009" y="14165"/>
-                </a:lnTo>
-                <a:lnTo>
-                  <a:pt x="6375" y="14654"/>
-                </a:lnTo>
-                <a:lnTo>
-                  <a:pt x="6815" y="15191"/>
-                </a:lnTo>
-                <a:lnTo>
-                  <a:pt x="7059" y="15484"/>
-                </a:lnTo>
-                <a:lnTo>
-                  <a:pt x="7328" y="15777"/>
-                </a:lnTo>
-                <a:lnTo>
-                  <a:pt x="7474" y="15899"/>
-                </a:lnTo>
-                <a:lnTo>
-                  <a:pt x="7670" y="15997"/>
-                </a:lnTo>
-                <a:lnTo>
-                  <a:pt x="7841" y="16046"/>
-                </a:lnTo>
-                <a:lnTo>
-                  <a:pt x="8036" y="16070"/>
-                </a:lnTo>
-                <a:lnTo>
-                  <a:pt x="8134" y="16046"/>
-                </a:lnTo>
-                <a:lnTo>
-                  <a:pt x="8280" y="15973"/>
-                </a:lnTo>
-                <a:lnTo>
-                  <a:pt x="8744" y="15704"/>
-                </a:lnTo>
-                <a:lnTo>
-                  <a:pt x="9013" y="15533"/>
-                </a:lnTo>
-                <a:lnTo>
-                  <a:pt x="9306" y="15313"/>
-                </a:lnTo>
-                <a:lnTo>
-                  <a:pt x="9623" y="15094"/>
-                </a:lnTo>
-                <a:lnTo>
-                  <a:pt x="9917" y="14825"/>
-                </a:lnTo>
-                <a:lnTo>
-                  <a:pt x="10185" y="14556"/>
-                </a:lnTo>
-                <a:lnTo>
-                  <a:pt x="10429" y="14263"/>
-                </a:lnTo>
-                <a:lnTo>
-                  <a:pt x="10625" y="13970"/>
-                </a:lnTo>
-                <a:lnTo>
-                  <a:pt x="10698" y="13824"/>
-                </a:lnTo>
-                <a:lnTo>
-                  <a:pt x="10747" y="13653"/>
-                </a:lnTo>
-                <a:lnTo>
-                  <a:pt x="10796" y="13506"/>
-                </a:lnTo>
-                <a:lnTo>
-                  <a:pt x="10820" y="13359"/>
-                </a:lnTo>
-                <a:lnTo>
-                  <a:pt x="10820" y="13213"/>
-                </a:lnTo>
-                <a:lnTo>
-                  <a:pt x="10796" y="13042"/>
-                </a:lnTo>
-                <a:lnTo>
-                  <a:pt x="10747" y="12895"/>
-                </a:lnTo>
-                <a:lnTo>
-                  <a:pt x="10674" y="12749"/>
-                </a:lnTo>
-                <a:lnTo>
-                  <a:pt x="10576" y="12602"/>
-                </a:lnTo>
-                <a:lnTo>
-                  <a:pt x="10454" y="12456"/>
-                </a:lnTo>
-                <a:lnTo>
-                  <a:pt x="10258" y="12309"/>
-                </a:lnTo>
-                <a:lnTo>
-                  <a:pt x="10063" y="12212"/>
-                </a:lnTo>
-                <a:lnTo>
-                  <a:pt x="9868" y="12138"/>
-                </a:lnTo>
-                <a:lnTo>
-                  <a:pt x="9648" y="12065"/>
-                </a:lnTo>
-                <a:lnTo>
-                  <a:pt x="9428" y="12016"/>
-                </a:lnTo>
-                <a:lnTo>
-                  <a:pt x="9208" y="11919"/>
-                </a:lnTo>
-                <a:lnTo>
-                  <a:pt x="9013" y="11821"/>
-                </a:lnTo>
-                <a:lnTo>
-                  <a:pt x="8818" y="11650"/>
-                </a:lnTo>
-                <a:lnTo>
-                  <a:pt x="8647" y="11454"/>
-                </a:lnTo>
-                <a:lnTo>
-                  <a:pt x="8549" y="11235"/>
-                </a:lnTo>
-                <a:lnTo>
-                  <a:pt x="8476" y="10990"/>
-                </a:lnTo>
-                <a:lnTo>
-                  <a:pt x="8451" y="10697"/>
-                </a:lnTo>
-                <a:lnTo>
-                  <a:pt x="8476" y="10502"/>
-                </a:lnTo>
-                <a:lnTo>
-                  <a:pt x="8500" y="10282"/>
-                </a:lnTo>
-                <a:lnTo>
-                  <a:pt x="8573" y="10087"/>
-                </a:lnTo>
-                <a:lnTo>
-                  <a:pt x="8647" y="9891"/>
-                </a:lnTo>
-                <a:lnTo>
-                  <a:pt x="8744" y="9696"/>
-                </a:lnTo>
-                <a:lnTo>
-                  <a:pt x="8866" y="9501"/>
-                </a:lnTo>
-                <a:lnTo>
-                  <a:pt x="9013" y="9330"/>
-                </a:lnTo>
-                <a:lnTo>
-                  <a:pt x="9159" y="9159"/>
-                </a:lnTo>
-                <a:lnTo>
-                  <a:pt x="9330" y="9012"/>
-                </a:lnTo>
-                <a:lnTo>
-                  <a:pt x="9501" y="8890"/>
-                </a:lnTo>
-                <a:lnTo>
-                  <a:pt x="9672" y="8768"/>
-                </a:lnTo>
-                <a:lnTo>
-                  <a:pt x="9868" y="8646"/>
-                </a:lnTo>
-                <a:lnTo>
-                  <a:pt x="10063" y="8573"/>
-                </a:lnTo>
-                <a:lnTo>
-                  <a:pt x="10283" y="8499"/>
-                </a:lnTo>
-                <a:lnTo>
-                  <a:pt x="10503" y="8475"/>
-                </a:lnTo>
-                <a:lnTo>
-                  <a:pt x="10698" y="8450"/>
-                </a:lnTo>
-                <a:lnTo>
-                  <a:pt x="10967" y="8475"/>
-                </a:lnTo>
-                <a:lnTo>
-                  <a:pt x="11211" y="8548"/>
-                </a:lnTo>
-                <a:lnTo>
-                  <a:pt x="11455" y="8646"/>
-                </a:lnTo>
-                <a:lnTo>
-                  <a:pt x="11651" y="8817"/>
-                </a:lnTo>
-                <a:lnTo>
-                  <a:pt x="11822" y="9012"/>
-                </a:lnTo>
-                <a:lnTo>
-                  <a:pt x="11944" y="9232"/>
-                </a:lnTo>
-                <a:lnTo>
-                  <a:pt x="12017" y="9452"/>
-                </a:lnTo>
-                <a:lnTo>
-                  <a:pt x="12090" y="9672"/>
-                </a:lnTo>
-                <a:lnTo>
-                  <a:pt x="12139" y="9867"/>
-                </a:lnTo>
-                <a:lnTo>
-                  <a:pt x="12212" y="10062"/>
-                </a:lnTo>
-                <a:lnTo>
-                  <a:pt x="12310" y="10258"/>
-                </a:lnTo>
-                <a:lnTo>
-                  <a:pt x="12457" y="10453"/>
-                </a:lnTo>
-                <a:lnTo>
-                  <a:pt x="12603" y="10575"/>
-                </a:lnTo>
-                <a:lnTo>
-                  <a:pt x="12750" y="10673"/>
-                </a:lnTo>
-                <a:lnTo>
-                  <a:pt x="12896" y="10746"/>
-                </a:lnTo>
-                <a:lnTo>
-                  <a:pt x="13043" y="10795"/>
-                </a:lnTo>
-                <a:lnTo>
-                  <a:pt x="13214" y="10819"/>
-                </a:lnTo>
-                <a:lnTo>
-                  <a:pt x="13360" y="10819"/>
-                </a:lnTo>
-                <a:lnTo>
-                  <a:pt x="13507" y="10795"/>
-                </a:lnTo>
-                <a:lnTo>
-                  <a:pt x="13653" y="10746"/>
-                </a:lnTo>
-                <a:lnTo>
-                  <a:pt x="13824" y="10697"/>
-                </a:lnTo>
-                <a:lnTo>
-                  <a:pt x="13971" y="10624"/>
-                </a:lnTo>
-                <a:lnTo>
-                  <a:pt x="14264" y="10429"/>
-                </a:lnTo>
-                <a:lnTo>
-                  <a:pt x="14557" y="10184"/>
-                </a:lnTo>
-                <a:lnTo>
-                  <a:pt x="14826" y="9916"/>
-                </a:lnTo>
-                <a:lnTo>
-                  <a:pt x="15094" y="9623"/>
-                </a:lnTo>
-                <a:lnTo>
-                  <a:pt x="15314" y="9305"/>
-                </a:lnTo>
-                <a:lnTo>
-                  <a:pt x="15534" y="9012"/>
-                </a:lnTo>
-                <a:lnTo>
-                  <a:pt x="15705" y="8744"/>
-                </a:lnTo>
-                <a:lnTo>
-                  <a:pt x="15973" y="8279"/>
-                </a:lnTo>
-                <a:lnTo>
-                  <a:pt x="16047" y="8133"/>
-                </a:lnTo>
-                <a:lnTo>
-                  <a:pt x="16071" y="8035"/>
-                </a:lnTo>
-                <a:lnTo>
-                  <a:pt x="16047" y="7840"/>
-                </a:lnTo>
-                <a:lnTo>
-                  <a:pt x="15998" y="7669"/>
-                </a:lnTo>
-                <a:lnTo>
-                  <a:pt x="15900" y="7474"/>
-                </a:lnTo>
-                <a:lnTo>
-                  <a:pt x="15778" y="7327"/>
-                </a:lnTo>
-                <a:lnTo>
-                  <a:pt x="15485" y="7058"/>
-                </a:lnTo>
-                <a:lnTo>
-                  <a:pt x="15192" y="6814"/>
-                </a:lnTo>
-                <a:lnTo>
-                  <a:pt x="14655" y="6374"/>
-                </a:lnTo>
-                <a:lnTo>
-                  <a:pt x="14166" y="6008"/>
-                </a:lnTo>
-                <a:lnTo>
-                  <a:pt x="13971" y="5837"/>
-                </a:lnTo>
-                <a:lnTo>
-                  <a:pt x="13775" y="5666"/>
-                </a:lnTo>
-                <a:lnTo>
-                  <a:pt x="13653" y="5495"/>
-                </a:lnTo>
-                <a:lnTo>
-                  <a:pt x="13531" y="5324"/>
-                </a:lnTo>
-                <a:lnTo>
-                  <a:pt x="13482" y="5153"/>
-                </a:lnTo>
-                <a:lnTo>
-                  <a:pt x="13482" y="4958"/>
-                </a:lnTo>
-                <a:lnTo>
-                  <a:pt x="13531" y="4763"/>
-                </a:lnTo>
-                <a:lnTo>
-                  <a:pt x="13629" y="4543"/>
-                </a:lnTo>
-                <a:lnTo>
-                  <a:pt x="13800" y="4299"/>
-                </a:lnTo>
-                <a:lnTo>
-                  <a:pt x="14068" y="4030"/>
-                </a:lnTo>
-                <a:lnTo>
-                  <a:pt x="14239" y="3859"/>
-                </a:lnTo>
-                <a:lnTo>
-                  <a:pt x="14435" y="3761"/>
-                </a:lnTo>
-                <a:lnTo>
-                  <a:pt x="14655" y="3688"/>
-                </a:lnTo>
-                <a:lnTo>
-                  <a:pt x="14850" y="3639"/>
-                </a:lnTo>
-                <a:lnTo>
-                  <a:pt x="15070" y="3590"/>
-                </a:lnTo>
-                <a:lnTo>
-                  <a:pt x="15290" y="3493"/>
-                </a:lnTo>
-                <a:lnTo>
-                  <a:pt x="15485" y="3370"/>
-                </a:lnTo>
-                <a:lnTo>
-                  <a:pt x="15705" y="3199"/>
-                </a:lnTo>
-                <a:lnTo>
-                  <a:pt x="15876" y="3004"/>
-                </a:lnTo>
-                <a:lnTo>
-                  <a:pt x="15973" y="2784"/>
-                </a:lnTo>
-                <a:lnTo>
-                  <a:pt x="16047" y="2540"/>
-                </a:lnTo>
-                <a:lnTo>
-                  <a:pt x="16071" y="2271"/>
-                </a:lnTo>
-                <a:lnTo>
-                  <a:pt x="16047" y="2052"/>
-                </a:lnTo>
-                <a:lnTo>
-                  <a:pt x="16022" y="1832"/>
-                </a:lnTo>
-                <a:lnTo>
-                  <a:pt x="15949" y="1636"/>
-                </a:lnTo>
-                <a:lnTo>
-                  <a:pt x="15851" y="1417"/>
-                </a:lnTo>
-                <a:lnTo>
-                  <a:pt x="15754" y="1246"/>
-                </a:lnTo>
-                <a:lnTo>
-                  <a:pt x="15632" y="1050"/>
-                </a:lnTo>
-                <a:lnTo>
-                  <a:pt x="15509" y="879"/>
-                </a:lnTo>
-                <a:lnTo>
-                  <a:pt x="15363" y="708"/>
-                </a:lnTo>
-                <a:lnTo>
-                  <a:pt x="15192" y="562"/>
-                </a:lnTo>
-                <a:lnTo>
-                  <a:pt x="15021" y="440"/>
-                </a:lnTo>
-                <a:lnTo>
-                  <a:pt x="14826" y="318"/>
-                </a:lnTo>
-                <a:lnTo>
-                  <a:pt x="14630" y="195"/>
-                </a:lnTo>
-                <a:lnTo>
-                  <a:pt x="14435" y="122"/>
-                </a:lnTo>
-                <a:lnTo>
-                  <a:pt x="14215" y="49"/>
-                </a:lnTo>
-                <a:lnTo>
-                  <a:pt x="14020" y="24"/>
-                </a:lnTo>
-                <a:lnTo>
-                  <a:pt x="13800" y="0"/>
-                </a:lnTo>
-                <a:lnTo>
-                  <a:pt x="13531" y="24"/>
-                </a:lnTo>
-                <a:lnTo>
-                  <a:pt x="13287" y="98"/>
-                </a:lnTo>
-                <a:lnTo>
-                  <a:pt x="13067" y="195"/>
-                </a:lnTo>
-                <a:lnTo>
-                  <a:pt x="12872" y="366"/>
-                </a:lnTo>
-                <a:lnTo>
-                  <a:pt x="12701" y="562"/>
-                </a:lnTo>
-                <a:lnTo>
-                  <a:pt x="12579" y="782"/>
-                </a:lnTo>
-                <a:lnTo>
-                  <a:pt x="12505" y="977"/>
-                </a:lnTo>
-                <a:lnTo>
-                  <a:pt x="12457" y="1197"/>
-                </a:lnTo>
-                <a:lnTo>
-                  <a:pt x="12383" y="1417"/>
-                </a:lnTo>
-                <a:lnTo>
-                  <a:pt x="12310" y="1612"/>
-                </a:lnTo>
-                <a:lnTo>
-                  <a:pt x="12212" y="1832"/>
-                </a:lnTo>
-                <a:lnTo>
-                  <a:pt x="12041" y="2003"/>
-                </a:lnTo>
-                <a:lnTo>
-                  <a:pt x="11773" y="2271"/>
-                </a:lnTo>
-                <a:lnTo>
-                  <a:pt x="11528" y="2442"/>
-                </a:lnTo>
-                <a:lnTo>
-                  <a:pt x="11309" y="2540"/>
-                </a:lnTo>
-                <a:lnTo>
-                  <a:pt x="11113" y="2589"/>
-                </a:lnTo>
-                <a:lnTo>
-                  <a:pt x="10918" y="2589"/>
-                </a:lnTo>
-                <a:lnTo>
-                  <a:pt x="10747" y="2540"/>
-                </a:lnTo>
-                <a:lnTo>
-                  <a:pt x="10576" y="2418"/>
-                </a:lnTo>
-                <a:lnTo>
-                  <a:pt x="10405" y="2296"/>
-                </a:lnTo>
-                <a:lnTo>
-                  <a:pt x="10234" y="2100"/>
-                </a:lnTo>
-                <a:lnTo>
-                  <a:pt x="10063" y="1905"/>
-                </a:lnTo>
-                <a:lnTo>
-                  <a:pt x="9697" y="1417"/>
-                </a:lnTo>
-                <a:lnTo>
-                  <a:pt x="9257" y="879"/>
-                </a:lnTo>
-                <a:lnTo>
-                  <a:pt x="9013" y="586"/>
-                </a:lnTo>
-                <a:lnTo>
-                  <a:pt x="8744" y="293"/>
-                </a:lnTo>
-                <a:lnTo>
-                  <a:pt x="8598" y="171"/>
-                </a:lnTo>
-                <a:lnTo>
-                  <a:pt x="8402" y="73"/>
-                </a:lnTo>
-                <a:lnTo>
-                  <a:pt x="8231" y="24"/>
-                </a:lnTo>
-                <a:lnTo>
-                  <a:pt x="8036" y="0"/>
-                </a:lnTo>
-                <a:close/>
-              </a:path>
-            </a:pathLst>
-          </a:custGeom>
-          <a:solidFill>
-            <a:srgbClr val="FFFFFF"/>
-          </a:solidFill>
-          <a:ln>
-            <a:noFill/>
-          </a:ln>
-        </p:spPr>
-        <p:txBody>
-          <a:bodyPr spcFirstLastPara="1" wrap="square" lIns="91425" tIns="91425" rIns="91425" bIns="91425" anchor="ctr" anchorCtr="0">
-            <a:noAutofit/>
-          </a:bodyPr>
-          <a:lstStyle/>
-          <a:p>
-            <a:pPr marL="0" lvl="0" indent="0" algn="l" rtl="0">
-              <a:spcBef>
-                <a:spcPts val="0"/>
-              </a:spcBef>
-              <a:spcAft>
-                <a:spcPts val="0"/>
-              </a:spcAft>
-              <a:buNone/>
-            </a:pPr>
-            <a:endParaRPr/>
-          </a:p>
-        </p:txBody>
-      </p:sp>
-    </p:spTree>
-    <p:extLst>
-      <p:ext uri="{BB962C8B-B14F-4D97-AF65-F5344CB8AC3E}">
-        <p14:creationId xmlns:p14="http://schemas.microsoft.com/office/powerpoint/2010/main" val="1839695584"/>
-      </p:ext>
-    </p:extLst>
-  </p:cSld>
-  <p:clrMapOvr>
-    <a:masterClrMapping/>
-  </p:clrMapOvr>
-</p:sld>
-</file>
-
-<file path=ppt/slides/slide6.xml><?xml version="1.0" encoding="utf-8"?>
-<p:sld xmlns:a="http://schemas.openxmlformats.org/drawingml/2006/main" xmlns:r="http://schemas.openxmlformats.org/officeDocument/2006/relationships" xmlns:p="http://schemas.openxmlformats.org/presentationml/2006/main">
-  <p:cSld>
-    <p:spTree>
-      <p:nvGrpSpPr>
-        <p:cNvPr id="1" name="Shape 394"/>
-        <p:cNvGrpSpPr/>
-        <p:nvPr/>
-      </p:nvGrpSpPr>
-      <p:grpSpPr>
-        <a:xfrm>
-          <a:off x="0" y="0"/>
-          <a:ext cx="0" cy="0"/>
-          <a:chOff x="0" y="0"/>
-          <a:chExt cx="0" cy="0"/>
-        </a:xfrm>
-      </p:grpSpPr>
-      <p:sp>
-        <p:nvSpPr>
-          <p:cNvPr id="395" name="Google Shape;395;p37"/>
-          <p:cNvSpPr/>
-          <p:nvPr/>
-        </p:nvSpPr>
-        <p:spPr>
-          <a:xfrm>
-            <a:off x="3076725" y="896774"/>
-            <a:ext cx="4596701" cy="3578584"/>
-          </a:xfrm>
-          <a:custGeom>
-            <a:avLst/>
-            <a:gdLst/>
-            <a:ahLst/>
-            <a:cxnLst/>
-            <a:rect l="l" t="t" r="r" b="b"/>
-            <a:pathLst>
-              <a:path w="143434" h="111665" extrusionOk="0">
-                <a:moveTo>
-                  <a:pt x="71751" y="2308"/>
-                </a:moveTo>
-                <a:lnTo>
-                  <a:pt x="71887" y="2376"/>
-                </a:lnTo>
-                <a:lnTo>
-                  <a:pt x="72091" y="2444"/>
-                </a:lnTo>
-                <a:lnTo>
-                  <a:pt x="72159" y="2647"/>
-                </a:lnTo>
-                <a:lnTo>
-                  <a:pt x="72226" y="2783"/>
-                </a:lnTo>
-                <a:lnTo>
-                  <a:pt x="72159" y="2987"/>
-                </a:lnTo>
-                <a:lnTo>
-                  <a:pt x="72091" y="3190"/>
-                </a:lnTo>
-                <a:lnTo>
-                  <a:pt x="71887" y="3258"/>
-                </a:lnTo>
-                <a:lnTo>
-                  <a:pt x="71751" y="3326"/>
-                </a:lnTo>
-                <a:lnTo>
-                  <a:pt x="71548" y="3258"/>
-                </a:lnTo>
-                <a:lnTo>
-                  <a:pt x="71344" y="3190"/>
-                </a:lnTo>
-                <a:lnTo>
-                  <a:pt x="71276" y="2987"/>
-                </a:lnTo>
-                <a:lnTo>
-                  <a:pt x="71208" y="2783"/>
-                </a:lnTo>
-                <a:lnTo>
-                  <a:pt x="71276" y="2647"/>
-                </a:lnTo>
-                <a:lnTo>
-                  <a:pt x="71344" y="2444"/>
-                </a:lnTo>
-                <a:lnTo>
-                  <a:pt x="71548" y="2376"/>
-                </a:lnTo>
-                <a:lnTo>
-                  <a:pt x="71751" y="2308"/>
-                </a:lnTo>
-                <a:close/>
-                <a:moveTo>
-                  <a:pt x="137528" y="5906"/>
-                </a:moveTo>
-                <a:lnTo>
-                  <a:pt x="137596" y="5974"/>
-                </a:lnTo>
-                <a:lnTo>
-                  <a:pt x="137596" y="89604"/>
-                </a:lnTo>
-                <a:lnTo>
-                  <a:pt x="5906" y="89604"/>
-                </a:lnTo>
-                <a:lnTo>
-                  <a:pt x="5906" y="5974"/>
-                </a:lnTo>
-                <a:lnTo>
-                  <a:pt x="5906" y="5906"/>
-                </a:lnTo>
-                <a:close/>
-                <a:moveTo>
-                  <a:pt x="3530" y="0"/>
-                </a:moveTo>
-                <a:lnTo>
-                  <a:pt x="3191" y="68"/>
-                </a:lnTo>
-                <a:lnTo>
-                  <a:pt x="2444" y="339"/>
-                </a:lnTo>
-                <a:lnTo>
-                  <a:pt x="1766" y="679"/>
-                </a:lnTo>
-                <a:lnTo>
-                  <a:pt x="1155" y="1154"/>
-                </a:lnTo>
-                <a:lnTo>
-                  <a:pt x="679" y="1765"/>
-                </a:lnTo>
-                <a:lnTo>
-                  <a:pt x="272" y="2444"/>
-                </a:lnTo>
-                <a:lnTo>
-                  <a:pt x="69" y="3190"/>
-                </a:lnTo>
-                <a:lnTo>
-                  <a:pt x="1" y="3598"/>
-                </a:lnTo>
-                <a:lnTo>
-                  <a:pt x="1" y="4005"/>
-                </a:lnTo>
-                <a:lnTo>
-                  <a:pt x="1" y="91572"/>
-                </a:lnTo>
-                <a:lnTo>
-                  <a:pt x="1" y="91979"/>
-                </a:lnTo>
-                <a:lnTo>
-                  <a:pt x="69" y="92319"/>
-                </a:lnTo>
-                <a:lnTo>
-                  <a:pt x="272" y="93065"/>
-                </a:lnTo>
-                <a:lnTo>
-                  <a:pt x="679" y="93744"/>
-                </a:lnTo>
-                <a:lnTo>
-                  <a:pt x="1155" y="94355"/>
-                </a:lnTo>
-                <a:lnTo>
-                  <a:pt x="1766" y="94830"/>
-                </a:lnTo>
-                <a:lnTo>
-                  <a:pt x="2444" y="95238"/>
-                </a:lnTo>
-                <a:lnTo>
-                  <a:pt x="3191" y="95441"/>
-                </a:lnTo>
-                <a:lnTo>
-                  <a:pt x="3530" y="95509"/>
-                </a:lnTo>
-                <a:lnTo>
-                  <a:pt x="139904" y="95509"/>
-                </a:lnTo>
-                <a:lnTo>
-                  <a:pt x="140311" y="95441"/>
-                </a:lnTo>
-                <a:lnTo>
-                  <a:pt x="141058" y="95238"/>
-                </a:lnTo>
-                <a:lnTo>
-                  <a:pt x="141737" y="94830"/>
-                </a:lnTo>
-                <a:lnTo>
-                  <a:pt x="142280" y="94355"/>
-                </a:lnTo>
-                <a:lnTo>
-                  <a:pt x="142755" y="93744"/>
-                </a:lnTo>
-                <a:lnTo>
-                  <a:pt x="143162" y="93065"/>
-                </a:lnTo>
-                <a:lnTo>
-                  <a:pt x="143366" y="92319"/>
-                </a:lnTo>
-                <a:lnTo>
-                  <a:pt x="143434" y="91979"/>
-                </a:lnTo>
-                <a:lnTo>
-                  <a:pt x="143434" y="91572"/>
-                </a:lnTo>
-                <a:lnTo>
-                  <a:pt x="143434" y="4005"/>
-                </a:lnTo>
-                <a:lnTo>
-                  <a:pt x="143434" y="3598"/>
-                </a:lnTo>
-                <a:lnTo>
-                  <a:pt x="143366" y="3190"/>
-                </a:lnTo>
-                <a:lnTo>
-                  <a:pt x="143162" y="2444"/>
-                </a:lnTo>
-                <a:lnTo>
-                  <a:pt x="142755" y="1765"/>
-                </a:lnTo>
-                <a:lnTo>
-                  <a:pt x="142280" y="1154"/>
-                </a:lnTo>
-                <a:lnTo>
-                  <a:pt x="141737" y="679"/>
-                </a:lnTo>
-                <a:lnTo>
-                  <a:pt x="141058" y="339"/>
-                </a:lnTo>
-                <a:lnTo>
-                  <a:pt x="140311" y="68"/>
-                </a:lnTo>
-                <a:lnTo>
-                  <a:pt x="139904" y="0"/>
-                </a:lnTo>
-                <a:close/>
-                <a:moveTo>
-                  <a:pt x="55324" y="95713"/>
-                </a:moveTo>
-                <a:lnTo>
-                  <a:pt x="55052" y="98971"/>
-                </a:lnTo>
-                <a:lnTo>
-                  <a:pt x="54713" y="102297"/>
-                </a:lnTo>
-                <a:lnTo>
-                  <a:pt x="54374" y="105284"/>
-                </a:lnTo>
-                <a:lnTo>
-                  <a:pt x="53966" y="107388"/>
-                </a:lnTo>
-                <a:lnTo>
-                  <a:pt x="53763" y="108203"/>
-                </a:lnTo>
-                <a:lnTo>
-                  <a:pt x="53627" y="108746"/>
-                </a:lnTo>
-                <a:lnTo>
-                  <a:pt x="53423" y="109153"/>
-                </a:lnTo>
-                <a:lnTo>
-                  <a:pt x="53220" y="109357"/>
-                </a:lnTo>
-                <a:lnTo>
-                  <a:pt x="52677" y="109493"/>
-                </a:lnTo>
-                <a:lnTo>
-                  <a:pt x="51794" y="109696"/>
-                </a:lnTo>
-                <a:lnTo>
-                  <a:pt x="49690" y="110036"/>
-                </a:lnTo>
-                <a:lnTo>
-                  <a:pt x="48061" y="110307"/>
-                </a:lnTo>
-                <a:lnTo>
-                  <a:pt x="47450" y="110443"/>
-                </a:lnTo>
-                <a:lnTo>
-                  <a:pt x="47110" y="110511"/>
-                </a:lnTo>
-                <a:lnTo>
-                  <a:pt x="47042" y="110579"/>
-                </a:lnTo>
-                <a:lnTo>
-                  <a:pt x="47042" y="110783"/>
-                </a:lnTo>
-                <a:lnTo>
-                  <a:pt x="47110" y="110850"/>
-                </a:lnTo>
-                <a:lnTo>
-                  <a:pt x="47585" y="110918"/>
-                </a:lnTo>
-                <a:lnTo>
-                  <a:pt x="48400" y="110986"/>
-                </a:lnTo>
-                <a:lnTo>
-                  <a:pt x="51387" y="111054"/>
-                </a:lnTo>
-                <a:lnTo>
-                  <a:pt x="56071" y="111122"/>
-                </a:lnTo>
-                <a:lnTo>
-                  <a:pt x="87092" y="111122"/>
-                </a:lnTo>
-                <a:lnTo>
-                  <a:pt x="91708" y="111054"/>
-                </a:lnTo>
-                <a:lnTo>
-                  <a:pt x="94695" y="110986"/>
-                </a:lnTo>
-                <a:lnTo>
-                  <a:pt x="95578" y="110918"/>
-                </a:lnTo>
-                <a:lnTo>
-                  <a:pt x="96053" y="110850"/>
-                </a:lnTo>
-                <a:lnTo>
-                  <a:pt x="96121" y="110783"/>
-                </a:lnTo>
-                <a:lnTo>
-                  <a:pt x="96121" y="110579"/>
-                </a:lnTo>
-                <a:lnTo>
-                  <a:pt x="96053" y="110511"/>
-                </a:lnTo>
-                <a:lnTo>
-                  <a:pt x="95713" y="110443"/>
-                </a:lnTo>
-                <a:lnTo>
-                  <a:pt x="95102" y="110307"/>
-                </a:lnTo>
-                <a:lnTo>
-                  <a:pt x="93473" y="110036"/>
-                </a:lnTo>
-                <a:lnTo>
-                  <a:pt x="91369" y="109696"/>
-                </a:lnTo>
-                <a:lnTo>
-                  <a:pt x="90487" y="109493"/>
-                </a:lnTo>
-                <a:lnTo>
-                  <a:pt x="89943" y="109357"/>
-                </a:lnTo>
-                <a:lnTo>
-                  <a:pt x="89740" y="109153"/>
-                </a:lnTo>
-                <a:lnTo>
-                  <a:pt x="89536" y="108746"/>
-                </a:lnTo>
-                <a:lnTo>
-                  <a:pt x="89333" y="108203"/>
-                </a:lnTo>
-                <a:lnTo>
-                  <a:pt x="89197" y="107388"/>
-                </a:lnTo>
-                <a:lnTo>
-                  <a:pt x="88789" y="105284"/>
-                </a:lnTo>
-                <a:lnTo>
-                  <a:pt x="88382" y="102297"/>
-                </a:lnTo>
-                <a:lnTo>
-                  <a:pt x="88043" y="98971"/>
-                </a:lnTo>
-                <a:lnTo>
-                  <a:pt x="87839" y="95713"/>
-                </a:lnTo>
-                <a:close/>
-                <a:moveTo>
-                  <a:pt x="47450" y="111054"/>
-                </a:moveTo>
-                <a:lnTo>
-                  <a:pt x="47450" y="111122"/>
-                </a:lnTo>
-                <a:lnTo>
-                  <a:pt x="47450" y="111393"/>
-                </a:lnTo>
-                <a:lnTo>
-                  <a:pt x="47518" y="111461"/>
-                </a:lnTo>
-                <a:lnTo>
-                  <a:pt x="48807" y="111529"/>
-                </a:lnTo>
-                <a:lnTo>
-                  <a:pt x="52473" y="111597"/>
-                </a:lnTo>
-                <a:lnTo>
-                  <a:pt x="62384" y="111665"/>
-                </a:lnTo>
-                <a:lnTo>
-                  <a:pt x="80779" y="111665"/>
-                </a:lnTo>
-                <a:lnTo>
-                  <a:pt x="90622" y="111597"/>
-                </a:lnTo>
-                <a:lnTo>
-                  <a:pt x="94356" y="111529"/>
-                </a:lnTo>
-                <a:lnTo>
-                  <a:pt x="95646" y="111461"/>
-                </a:lnTo>
-                <a:lnTo>
-                  <a:pt x="95713" y="111393"/>
-                </a:lnTo>
-                <a:lnTo>
-                  <a:pt x="95713" y="111122"/>
-                </a:lnTo>
-                <a:lnTo>
-                  <a:pt x="95646" y="111054"/>
-                </a:lnTo>
-                <a:lnTo>
-                  <a:pt x="94084" y="111122"/>
-                </a:lnTo>
-                <a:lnTo>
-                  <a:pt x="91233" y="111190"/>
-                </a:lnTo>
-                <a:lnTo>
-                  <a:pt x="80847" y="111258"/>
-                </a:lnTo>
-                <a:lnTo>
-                  <a:pt x="62316" y="111258"/>
-                </a:lnTo>
-                <a:lnTo>
-                  <a:pt x="51930" y="111190"/>
-                </a:lnTo>
-                <a:lnTo>
-                  <a:pt x="49079" y="111122"/>
-                </a:lnTo>
-                <a:lnTo>
-                  <a:pt x="47518" y="111054"/>
-                </a:lnTo>
-                <a:close/>
-              </a:path>
-            </a:pathLst>
-          </a:custGeom>
-          <a:noFill/>
-          <a:ln w="9525" cap="flat" cmpd="sng">
-            <a:solidFill>
-              <a:srgbClr val="6699FF"/>
-            </a:solidFill>
-            <a:prstDash val="solid"/>
-            <a:round/>
-            <a:headEnd type="none" w="sm" len="sm"/>
-            <a:tailEnd type="none" w="sm" len="sm"/>
-          </a:ln>
-        </p:spPr>
-        <p:txBody>
-          <a:bodyPr spcFirstLastPara="1" wrap="square" lIns="91425" tIns="91425" rIns="91425" bIns="91425" anchor="ctr" anchorCtr="0">
-            <a:noAutofit/>
-          </a:bodyPr>
-          <a:lstStyle/>
-          <a:p>
-            <a:pPr marL="0" lvl="0" indent="0" algn="l" rtl="0">
-              <a:spcBef>
-                <a:spcPts val="0"/>
-              </a:spcBef>
-              <a:spcAft>
-                <a:spcPts val="0"/>
-              </a:spcAft>
-              <a:buNone/>
-            </a:pPr>
-            <a:endParaRPr/>
-          </a:p>
-        </p:txBody>
-      </p:sp>
-      <p:sp>
-        <p:nvSpPr>
-          <p:cNvPr id="396" name="Google Shape;396;p37"/>
-          <p:cNvSpPr/>
-          <p:nvPr/>
-        </p:nvSpPr>
-        <p:spPr>
-          <a:xfrm>
-            <a:off x="3269080" y="1086811"/>
-            <a:ext cx="4212000" cy="2689500"/>
-          </a:xfrm>
-          <a:prstGeom prst="rect">
-            <a:avLst/>
-          </a:prstGeom>
-          <a:solidFill>
-            <a:srgbClr val="FFFFFF">
-              <a:alpha val="14229"/>
-            </a:srgbClr>
-          </a:solidFill>
-          <a:ln>
-            <a:noFill/>
-          </a:ln>
-        </p:spPr>
-        <p:txBody>
-          <a:bodyPr spcFirstLastPara="1" wrap="square" lIns="91425" tIns="91425" rIns="91425" bIns="91425" anchor="ctr" anchorCtr="0">
-            <a:noAutofit/>
-          </a:bodyPr>
-          <a:lstStyle/>
-          <a:p>
-            <a:pPr marL="0" lvl="0" indent="0" algn="ctr" rtl="0">
-              <a:spcBef>
-                <a:spcPts val="0"/>
-              </a:spcBef>
-              <a:spcAft>
-                <a:spcPts val="0"/>
-              </a:spcAft>
-              <a:buNone/>
-            </a:pPr>
-            <a:r>
-              <a:rPr lang="en" sz="1000">
-                <a:solidFill>
-                  <a:srgbClr val="FFFFFF"/>
-                </a:solidFill>
-                <a:latin typeface="Hind"/>
-                <a:ea typeface="Hind"/>
-                <a:cs typeface="Hind"/>
-                <a:sym typeface="Hind"/>
-              </a:rPr>
-              <a:t>Place your screenshot here</a:t>
-            </a:r>
-            <a:endParaRPr sz="1000">
-              <a:solidFill>
-                <a:srgbClr val="FFFFFF"/>
-              </a:solidFill>
-              <a:latin typeface="Hind"/>
-              <a:ea typeface="Hind"/>
-              <a:cs typeface="Hind"/>
-              <a:sym typeface="Hind"/>
-            </a:endParaRPr>
-          </a:p>
-        </p:txBody>
-      </p:sp>
-      <p:sp>
-        <p:nvSpPr>
-          <p:cNvPr id="397" name="Google Shape;397;p37"/>
-          <p:cNvSpPr txBox="1">
-            <a:spLocks noGrp="1"/>
-          </p:cNvSpPr>
-          <p:nvPr>
-            <p:ph type="body" idx="4294967295"/>
-          </p:nvPr>
-        </p:nvSpPr>
-        <p:spPr>
-          <a:xfrm>
-            <a:off x="393425" y="577100"/>
-            <a:ext cx="2447400" cy="1539300"/>
-          </a:xfrm>
-          <a:prstGeom prst="rect">
-            <a:avLst/>
-          </a:prstGeom>
-        </p:spPr>
-        <p:txBody>
-          <a:bodyPr spcFirstLastPara="1" wrap="square" lIns="91425" tIns="91425" rIns="91425" bIns="91425" anchor="b" anchorCtr="0">
-            <a:noAutofit/>
-          </a:bodyPr>
-          <a:lstStyle/>
-          <a:p>
-            <a:pPr marL="0" lvl="0" indent="0" algn="l" rtl="0">
-              <a:spcBef>
-                <a:spcPts val="600"/>
-              </a:spcBef>
-              <a:spcAft>
-                <a:spcPts val="0"/>
-              </a:spcAft>
-              <a:buNone/>
-            </a:pPr>
-            <a:r>
-              <a:rPr lang="en" sz="1800" b="1" dirty="0" smtClean="0">
-                <a:solidFill>
-                  <a:srgbClr val="6699FF"/>
-                </a:solidFill>
-              </a:rPr>
-              <a:t>Text Editor</a:t>
-            </a:r>
-          </a:p>
-          <a:p>
-            <a:pPr marL="0" lvl="0" indent="0" algn="l" rtl="0">
-              <a:spcBef>
-                <a:spcPts val="600"/>
-              </a:spcBef>
-              <a:spcAft>
-                <a:spcPts val="0"/>
-              </a:spcAft>
-              <a:buNone/>
-            </a:pPr>
-            <a:r>
-              <a:rPr lang="en-US" sz="1800" dirty="0" smtClean="0">
-                <a:solidFill>
-                  <a:schemeClr val="bg1"/>
-                </a:solidFill>
-              </a:rPr>
-              <a:t>A</a:t>
-            </a:r>
-            <a:r>
-              <a:rPr lang="en" sz="1800" dirty="0" smtClean="0">
-                <a:solidFill>
-                  <a:schemeClr val="bg1"/>
-                </a:solidFill>
-              </a:rPr>
-              <a:t>tom</a:t>
-            </a:r>
-          </a:p>
-          <a:p>
-            <a:pPr marL="0" lvl="0" indent="0" algn="l" rtl="0">
-              <a:spcBef>
-                <a:spcPts val="600"/>
-              </a:spcBef>
-              <a:spcAft>
-                <a:spcPts val="0"/>
-              </a:spcAft>
-              <a:buNone/>
-            </a:pPr>
-            <a:r>
-              <a:rPr lang="en-US" sz="1800" dirty="0" smtClean="0">
-                <a:solidFill>
-                  <a:schemeClr val="bg1"/>
-                </a:solidFill>
-                <a:hlinkClick r:id="rId3"/>
-              </a:rPr>
-              <a:t>a</a:t>
-            </a:r>
-            <a:r>
-              <a:rPr lang="en" sz="1800" dirty="0" smtClean="0">
-                <a:solidFill>
-                  <a:schemeClr val="bg1"/>
-                </a:solidFill>
-                <a:hlinkClick r:id="rId3"/>
-              </a:rPr>
-              <a:t>tom.io</a:t>
-            </a:r>
-            <a:endParaRPr lang="en" sz="1800" dirty="0" smtClean="0">
-              <a:solidFill>
-                <a:schemeClr val="bg1"/>
-              </a:solidFill>
-            </a:endParaRPr>
-          </a:p>
-          <a:p>
-            <a:pPr marL="0" lvl="0" indent="0" algn="l" rtl="0">
-              <a:spcBef>
-                <a:spcPts val="600"/>
-              </a:spcBef>
-              <a:spcAft>
-                <a:spcPts val="0"/>
-              </a:spcAft>
-              <a:buNone/>
-            </a:pPr>
-            <a:endParaRPr sz="1800" dirty="0">
-              <a:solidFill>
-                <a:schemeClr val="bg1"/>
-              </a:solidFill>
-            </a:endParaRPr>
-          </a:p>
-        </p:txBody>
-      </p:sp>
-      <p:sp>
-        <p:nvSpPr>
-          <p:cNvPr id="398" name="Google Shape;398;p37"/>
-          <p:cNvSpPr txBox="1">
-            <a:spLocks noGrp="1"/>
-          </p:cNvSpPr>
-          <p:nvPr>
-            <p:ph type="sldNum" idx="12"/>
-          </p:nvPr>
-        </p:nvSpPr>
-        <p:spPr>
-          <a:xfrm>
-            <a:off x="8556775" y="4812625"/>
-            <a:ext cx="587100" cy="330900"/>
-          </a:xfrm>
-          <a:prstGeom prst="rect">
-            <a:avLst/>
-          </a:prstGeom>
-        </p:spPr>
-        <p:txBody>
-          <a:bodyPr spcFirstLastPara="1" wrap="square" lIns="91425" tIns="91425" rIns="91425" bIns="91425" anchor="t" anchorCtr="0">
-            <a:noAutofit/>
-          </a:bodyPr>
-          <a:lstStyle/>
-          <a:p>
-            <a:pPr marL="0" lvl="0" indent="0" algn="r" rtl="0">
-              <a:spcBef>
-                <a:spcPts val="0"/>
-              </a:spcBef>
-              <a:spcAft>
-                <a:spcPts val="0"/>
-              </a:spcAft>
-              <a:buNone/>
-            </a:pPr>
-            <a:fld id="{00000000-1234-1234-1234-123412341234}" type="slidenum">
-              <a:rPr lang="en"/>
-              <a:t>6</a:t>
-            </a:fld>
-            <a:endParaRPr/>
-          </a:p>
-        </p:txBody>
-      </p:sp>
-      <p:pic>
-        <p:nvPicPr>
-          <p:cNvPr id="2" name="Picture 1"/>
-          <p:cNvPicPr>
-            <a:picLocks noChangeAspect="1"/>
-          </p:cNvPicPr>
-          <p:nvPr/>
-        </p:nvPicPr>
-        <p:blipFill rotWithShape="1">
-          <a:blip r:embed="rId4"/>
-          <a:srcRect r="6685"/>
-          <a:stretch/>
-        </p:blipFill>
-        <p:spPr>
-          <a:xfrm>
-            <a:off x="3269080" y="1086811"/>
-            <a:ext cx="4204870" cy="2675564"/>
-          </a:xfrm>
-          <a:prstGeom prst="rect">
-            <a:avLst/>
-          </a:prstGeom>
-        </p:spPr>
-      </p:pic>
-    </p:spTree>
-    <p:extLst>
-      <p:ext uri="{BB962C8B-B14F-4D97-AF65-F5344CB8AC3E}">
-        <p14:creationId xmlns:p14="http://schemas.microsoft.com/office/powerpoint/2010/main" val="3801109722"/>
-      </p:ext>
-    </p:extLst>
-  </p:cSld>
-  <p:clrMapOvr>
-    <a:masterClrMapping/>
-  </p:clrMapOvr>
+  <p:timing>
+    <p:tnLst>
+      <p:par>
+        <p:cTn id="1" dur="indefinite" restart="never" nodeType="tmRoot"/>
+      </p:par>
+    </p:tnLst>
+  </p:timing>
 </p:sld>
 </file>
 
@@ -12994,6 +13056,13 @@
   <p:clrMapOvr>
     <a:masterClrMapping/>
   </p:clrMapOvr>
+  <p:timing>
+    <p:tnLst>
+      <p:par>
+        <p:cTn id="1" dur="indefinite" restart="never" nodeType="tmRoot"/>
+      </p:par>
+    </p:tnLst>
+  </p:timing>
 </p:sld>
 </file>
 
@@ -14604,6 +14673,13 @@
   <p:clrMapOvr>
     <a:masterClrMapping/>
   </p:clrMapOvr>
+  <p:timing>
+    <p:tnLst>
+      <p:par>
+        <p:cTn id="1" dur="indefinite" restart="never" nodeType="tmRoot"/>
+      </p:par>
+    </p:tnLst>
+  </p:timing>
 </p:sld>
 </file>
 
@@ -14691,7 +14767,6 @@
               <a:rPr lang="en-US" sz="2000" dirty="0"/>
               <a:t>Point your domain to your S3 website files</a:t>
             </a:r>
-            <a:endParaRPr lang="en-US" sz="2000" dirty="0"/>
           </a:p>
         </p:txBody>
       </p:sp>
@@ -16429,6 +16504,13 @@
   <p:clrMapOvr>
     <a:masterClrMapping/>
   </p:clrMapOvr>
+  <p:timing>
+    <p:tnLst>
+      <p:par>
+        <p:cTn id="1" dur="indefinite" restart="never" nodeType="tmRoot"/>
+      </p:par>
+    </p:tnLst>
+  </p:timing>
 </p:sld>
 </file>
 
